--- a/Statistics/CryoControlMarch14.pptx
+++ b/Statistics/CryoControlMarch14.pptx
@@ -9,14 +9,18 @@
     <p:sldId id="257" r:id="rId3"/>
     <p:sldId id="259" r:id="rId4"/>
     <p:sldId id="258" r:id="rId5"/>
-    <p:sldId id="261" r:id="rId6"/>
-    <p:sldId id="269" r:id="rId7"/>
-    <p:sldId id="268" r:id="rId8"/>
-    <p:sldId id="262" r:id="rId9"/>
-    <p:sldId id="264" r:id="rId10"/>
-    <p:sldId id="267" r:id="rId11"/>
-    <p:sldId id="271" r:id="rId12"/>
-    <p:sldId id="272" r:id="rId13"/>
+    <p:sldId id="273" r:id="rId6"/>
+    <p:sldId id="264" r:id="rId7"/>
+    <p:sldId id="261" r:id="rId8"/>
+    <p:sldId id="269" r:id="rId9"/>
+    <p:sldId id="268" r:id="rId10"/>
+    <p:sldId id="262" r:id="rId11"/>
+    <p:sldId id="267" r:id="rId12"/>
+    <p:sldId id="271" r:id="rId13"/>
+    <p:sldId id="272" r:id="rId14"/>
+    <p:sldId id="275" r:id="rId15"/>
+    <p:sldId id="276" r:id="rId16"/>
+    <p:sldId id="277" r:id="rId17"/>
   </p:sldIdLst>
   <p:sldSz cx="9144000" cy="6858000" type="screen4x3"/>
   <p:notesSz cx="6858000" cy="9144000"/>
@@ -145,7 +149,7 @@
           <c:invertIfNegative val="0"/>
           <c:cat>
             <c:multiLvlStrRef>
-              <c:f>Plotting!$B$7:$M$8</c:f>
+              <c:f>'SIMD Plots'!$B$7:$M$8</c:f>
               <c:multiLvlStrCache>
                 <c:ptCount val="12"/>
                 <c:lvl>
@@ -211,27 +215,27 @@
           </c:cat>
           <c:val>
             <c:numRef>
-              <c:f>Plotting!$B$9:$M$9</c:f>
+              <c:f>'SIMD Plots'!$B$9:$M$9</c:f>
               <c:numCache>
                 <c:formatCode>General</c:formatCode>
                 <c:ptCount val="12"/>
                 <c:pt idx="0">
-                  <c:v>40185.0</c:v>
+                  <c:v>2.974614E6</c:v>
                 </c:pt>
                 <c:pt idx="2">
-                  <c:v>1.5811601E7</c:v>
+                  <c:v>3.4039907E7</c:v>
                 </c:pt>
                 <c:pt idx="4">
-                  <c:v>122934.0</c:v>
+                  <c:v>3.801972E6</c:v>
                 </c:pt>
                 <c:pt idx="6">
-                  <c:v>2.11594E6</c:v>
+                  <c:v>7.819559E6</c:v>
                 </c:pt>
                 <c:pt idx="8">
-                  <c:v>2905.0</c:v>
+                  <c:v>4727.0</c:v>
                 </c:pt>
                 <c:pt idx="10">
-                  <c:v>8543.0</c:v>
+                  <c:v>18370.0</c:v>
                 </c:pt>
               </c:numCache>
             </c:numRef>
@@ -246,8 +250,8 @@
           <c:showBubbleSize val="0"/>
         </c:dLbls>
         <c:gapWidth val="150"/>
-        <c:axId val="-2105791928"/>
-        <c:axId val="-2105940376"/>
+        <c:axId val="-2086466264"/>
+        <c:axId val="-2058122104"/>
       </c:barChart>
       <c:barChart>
         <c:barDir val="col"/>
@@ -259,7 +263,7 @@
           <c:invertIfNegative val="0"/>
           <c:cat>
             <c:multiLvlStrRef>
-              <c:f>Plotting!$B$7:$M$8</c:f>
+              <c:f>'SIMD Plots'!$B$7:$M$8</c:f>
               <c:multiLvlStrCache>
                 <c:ptCount val="12"/>
                 <c:lvl>
@@ -325,27 +329,27 @@
           </c:cat>
           <c:val>
             <c:numRef>
-              <c:f>Plotting!$B$10:$M$10</c:f>
+              <c:f>'SIMD Plots'!$B$10:$M$10</c:f>
               <c:numCache>
                 <c:formatCode>General</c:formatCode>
                 <c:ptCount val="12"/>
                 <c:pt idx="1">
-                  <c:v>65.0</c:v>
+                  <c:v>4760.0</c:v>
                 </c:pt>
                 <c:pt idx="3">
-                  <c:v>25299.0</c:v>
+                  <c:v>54464.0</c:v>
                 </c:pt>
                 <c:pt idx="5">
-                  <c:v>197.0</c:v>
+                  <c:v>6084.0</c:v>
                 </c:pt>
                 <c:pt idx="7">
-                  <c:v>3386.0</c:v>
+                  <c:v>12512.0</c:v>
                 </c:pt>
                 <c:pt idx="9">
-                  <c:v>5.0</c:v>
+                  <c:v>8.0</c:v>
                 </c:pt>
                 <c:pt idx="11">
-                  <c:v>14.0</c:v>
+                  <c:v>30.0</c:v>
                 </c:pt>
               </c:numCache>
             </c:numRef>
@@ -360,11 +364,11 @@
           <c:showBubbleSize val="0"/>
         </c:dLbls>
         <c:gapWidth val="150"/>
-        <c:axId val="-2111912136"/>
-        <c:axId val="-2107657624"/>
+        <c:axId val="-2085744744"/>
+        <c:axId val="-2057534712"/>
       </c:barChart>
       <c:catAx>
-        <c:axId val="-2105791928"/>
+        <c:axId val="-2086466264"/>
         <c:scaling>
           <c:orientation val="minMax"/>
         </c:scaling>
@@ -402,7 +406,7 @@
             <a:endParaRPr lang="en-US"/>
           </a:p>
         </c:txPr>
-        <c:crossAx val="-2105940376"/>
+        <c:crossAx val="-2058122104"/>
         <c:crosses val="autoZero"/>
         <c:auto val="1"/>
         <c:lblAlgn val="ctr"/>
@@ -410,7 +414,7 @@
         <c:noMultiLvlLbl val="0"/>
       </c:catAx>
       <c:valAx>
-        <c:axId val="-2105940376"/>
+        <c:axId val="-2058122104"/>
         <c:scaling>
           <c:logBase val="10.0"/>
           <c:orientation val="minMax"/>
@@ -441,12 +445,12 @@
         <c:majorTickMark val="out"/>
         <c:minorTickMark val="none"/>
         <c:tickLblPos val="nextTo"/>
-        <c:crossAx val="-2105791928"/>
+        <c:crossAx val="-2086466264"/>
         <c:crosses val="autoZero"/>
         <c:crossBetween val="between"/>
       </c:valAx>
       <c:valAx>
-        <c:axId val="-2107657624"/>
+        <c:axId val="-2057534712"/>
         <c:scaling>
           <c:logBase val="10.0"/>
           <c:orientation val="minMax"/>
@@ -476,12 +480,12 @@
         <c:majorTickMark val="out"/>
         <c:minorTickMark val="none"/>
         <c:tickLblPos val="nextTo"/>
-        <c:crossAx val="-2111912136"/>
+        <c:crossAx val="-2085744744"/>
         <c:crosses val="max"/>
         <c:crossBetween val="between"/>
       </c:valAx>
       <c:catAx>
-        <c:axId val="-2111912136"/>
+        <c:axId val="-2085744744"/>
         <c:scaling>
           <c:orientation val="minMax"/>
         </c:scaling>
@@ -490,7 +494,7 @@
         <c:majorTickMark val="out"/>
         <c:minorTickMark val="none"/>
         <c:tickLblPos val="nextTo"/>
-        <c:crossAx val="-2107657624"/>
+        <c:crossAx val="-2057534712"/>
         <c:crosses val="autoZero"/>
         <c:auto val="1"/>
         <c:lblAlgn val="ctr"/>
@@ -535,7 +539,7 @@
           <c:invertIfNegative val="0"/>
           <c:cat>
             <c:multiLvlStrRef>
-              <c:f>Plotting!$B$7:$M$8</c:f>
+              <c:f>'SIMD Plots'!$B$7:$M$8</c:f>
               <c:multiLvlStrCache>
                 <c:ptCount val="12"/>
                 <c:lvl>
@@ -601,7 +605,7 @@
           </c:cat>
           <c:val>
             <c:numRef>
-              <c:f>Plotting!$B$43:$M$43</c:f>
+              <c:f>'SIMD Plots'!$B$43:$M$43</c:f>
               <c:numCache>
                 <c:formatCode>General</c:formatCode>
                 <c:ptCount val="12"/>
@@ -636,8 +640,8 @@
           <c:showBubbleSize val="0"/>
         </c:dLbls>
         <c:gapWidth val="150"/>
-        <c:axId val="-2093609544"/>
-        <c:axId val="-2092660344"/>
+        <c:axId val="-2061963000"/>
+        <c:axId val="-2055493400"/>
       </c:barChart>
       <c:barChart>
         <c:barDir val="col"/>
@@ -649,7 +653,7 @@
           <c:invertIfNegative val="0"/>
           <c:cat>
             <c:multiLvlStrRef>
-              <c:f>Plotting!$B$7:$M$8</c:f>
+              <c:f>'SIMD Plots'!$B$7:$M$8</c:f>
               <c:multiLvlStrCache>
                 <c:ptCount val="12"/>
                 <c:lvl>
@@ -715,21 +719,21 @@
           </c:cat>
           <c:val>
             <c:numRef>
-              <c:f>Plotting!$B$44:$M$44</c:f>
+              <c:f>'SIMD Plots'!$B$44:$M$44</c:f>
               <c:numCache>
                 <c:formatCode>General</c:formatCode>
                 <c:ptCount val="12"/>
                 <c:pt idx="1">
-                  <c:v>4265.0</c:v>
+                  <c:v>4261.0</c:v>
                 </c:pt>
                 <c:pt idx="3">
-                  <c:v>177.0</c:v>
+                  <c:v>124.0</c:v>
                 </c:pt>
                 <c:pt idx="5">
-                  <c:v>214.0</c:v>
+                  <c:v>207.0</c:v>
                 </c:pt>
                 <c:pt idx="7">
-                  <c:v>40.0</c:v>
+                  <c:v>131.0</c:v>
                 </c:pt>
                 <c:pt idx="9">
                   <c:v>3.0</c:v>
@@ -750,11 +754,11 @@
           <c:showBubbleSize val="0"/>
         </c:dLbls>
         <c:gapWidth val="150"/>
-        <c:axId val="-2092108776"/>
-        <c:axId val="-2091993112"/>
+        <c:axId val="2079346440"/>
+        <c:axId val="2079448056"/>
       </c:barChart>
       <c:catAx>
-        <c:axId val="-2093609544"/>
+        <c:axId val="-2061963000"/>
         <c:scaling>
           <c:orientation val="minMax"/>
         </c:scaling>
@@ -792,7 +796,7 @@
             <a:endParaRPr lang="en-US"/>
           </a:p>
         </c:txPr>
-        <c:crossAx val="-2092660344"/>
+        <c:crossAx val="-2055493400"/>
         <c:crosses val="autoZero"/>
         <c:auto val="1"/>
         <c:lblAlgn val="ctr"/>
@@ -800,7 +804,7 @@
         <c:noMultiLvlLbl val="0"/>
       </c:catAx>
       <c:valAx>
-        <c:axId val="-2092660344"/>
+        <c:axId val="-2055493400"/>
         <c:scaling>
           <c:logBase val="10.0"/>
           <c:orientation val="minMax"/>
@@ -831,15 +835,16 @@
         <c:majorTickMark val="out"/>
         <c:minorTickMark val="none"/>
         <c:tickLblPos val="nextTo"/>
-        <c:crossAx val="-2093609544"/>
+        <c:crossAx val="-2061963000"/>
         <c:crosses val="autoZero"/>
         <c:crossBetween val="between"/>
       </c:valAx>
       <c:valAx>
-        <c:axId val="-2091993112"/>
+        <c:axId val="2079448056"/>
         <c:scaling>
           <c:logBase val="10.0"/>
           <c:orientation val="minMax"/>
+          <c:max val="100000.0"/>
         </c:scaling>
         <c:delete val="0"/>
         <c:axPos val="r"/>
@@ -866,12 +871,12 @@
         <c:majorTickMark val="out"/>
         <c:minorTickMark val="none"/>
         <c:tickLblPos val="nextTo"/>
-        <c:crossAx val="-2092108776"/>
+        <c:crossAx val="2079346440"/>
         <c:crosses val="max"/>
         <c:crossBetween val="between"/>
       </c:valAx>
       <c:catAx>
-        <c:axId val="-2092108776"/>
+        <c:axId val="2079346440"/>
         <c:scaling>
           <c:orientation val="minMax"/>
         </c:scaling>
@@ -880,7 +885,7 @@
         <c:majorTickMark val="out"/>
         <c:minorTickMark val="none"/>
         <c:tickLblPos val="nextTo"/>
-        <c:crossAx val="-2091993112"/>
+        <c:crossAx val="2079448056"/>
         <c:crosses val="autoZero"/>
         <c:auto val="1"/>
         <c:lblAlgn val="ctr"/>
@@ -925,7 +930,7 @@
           <c:invertIfNegative val="0"/>
           <c:cat>
             <c:multiLvlStrRef>
-              <c:f>Plotting!$B$7:$M$8</c:f>
+              <c:f>'SIMD Plots'!$B$7:$M$8</c:f>
               <c:multiLvlStrCache>
                 <c:ptCount val="12"/>
                 <c:lvl>
@@ -991,7 +996,398 @@
           </c:cat>
           <c:val>
             <c:numRef>
-              <c:f>Plotting!$B$85:$M$85</c:f>
+              <c:f>'SIMD Plots'!$B$83:$M$83</c:f>
+              <c:numCache>
+                <c:formatCode>General</c:formatCode>
+                <c:ptCount val="12"/>
+                <c:pt idx="0">
+                  <c:v>2.472814E6</c:v>
+                </c:pt>
+                <c:pt idx="2">
+                  <c:v>1.5811601E7</c:v>
+                </c:pt>
+                <c:pt idx="4">
+                  <c:v>599636.0</c:v>
+                </c:pt>
+                <c:pt idx="6">
+                  <c:v>6.507425E6</c:v>
+                </c:pt>
+                <c:pt idx="8">
+                  <c:v>2905.0</c:v>
+                </c:pt>
+                <c:pt idx="10">
+                  <c:v>8619.0</c:v>
+                </c:pt>
+              </c:numCache>
+            </c:numRef>
+          </c:val>
+        </c:ser>
+        <c:dLbls>
+          <c:showLegendKey val="0"/>
+          <c:showVal val="0"/>
+          <c:showCatName val="0"/>
+          <c:showSerName val="0"/>
+          <c:showPercent val="0"/>
+          <c:showBubbleSize val="0"/>
+        </c:dLbls>
+        <c:gapWidth val="150"/>
+        <c:axId val="-2061941624"/>
+        <c:axId val="2079355000"/>
+      </c:barChart>
+      <c:barChart>
+        <c:barDir val="col"/>
+        <c:grouping val="clustered"/>
+        <c:varyColors val="0"/>
+        <c:ser>
+          <c:idx val="1"/>
+          <c:order val="1"/>
+          <c:invertIfNegative val="0"/>
+          <c:cat>
+            <c:multiLvlStrRef>
+              <c:f>'SIMD Plots'!$B$7:$M$8</c:f>
+              <c:multiLvlStrCache>
+                <c:ptCount val="12"/>
+                <c:lvl>
+                  <c:pt idx="0">
+                    <c:v>SIMD Instructions</c:v>
+                  </c:pt>
+                  <c:pt idx="1">
+                    <c:v>ECC Cycles Required</c:v>
+                  </c:pt>
+                  <c:pt idx="2">
+                    <c:v>SIMD Instructions</c:v>
+                  </c:pt>
+                  <c:pt idx="3">
+                    <c:v>ECC Cycles Required</c:v>
+                  </c:pt>
+                  <c:pt idx="4">
+                    <c:v>SIMD Instructions</c:v>
+                  </c:pt>
+                  <c:pt idx="5">
+                    <c:v>ECC Cycles Required</c:v>
+                  </c:pt>
+                  <c:pt idx="6">
+                    <c:v>SIMD Instructions</c:v>
+                  </c:pt>
+                  <c:pt idx="7">
+                    <c:v>ECC Cycles Required</c:v>
+                  </c:pt>
+                  <c:pt idx="8">
+                    <c:v>SIMD Instructions</c:v>
+                  </c:pt>
+                  <c:pt idx="9">
+                    <c:v>ECC Cycles Required</c:v>
+                  </c:pt>
+                  <c:pt idx="10">
+                    <c:v>SIMD Instructions</c:v>
+                  </c:pt>
+                  <c:pt idx="11">
+                    <c:v>ECC Cycles Required</c:v>
+                  </c:pt>
+                </c:lvl>
+                <c:lvl>
+                  <c:pt idx="0">
+                    <c:v>Ising Model n100</c:v>
+                  </c:pt>
+                  <c:pt idx="2">
+                    <c:v>BWT</c:v>
+                  </c:pt>
+                  <c:pt idx="4">
+                    <c:v>SHA-1</c:v>
+                  </c:pt>
+                  <c:pt idx="6">
+                    <c:v>Shors n4</c:v>
+                  </c:pt>
+                  <c:pt idx="8">
+                    <c:v>QFT n5</c:v>
+                  </c:pt>
+                  <c:pt idx="10">
+                    <c:v>Square Root</c:v>
+                  </c:pt>
+                </c:lvl>
+              </c:multiLvlStrCache>
+            </c:multiLvlStrRef>
+          </c:cat>
+          <c:val>
+            <c:numRef>
+              <c:f>'SIMD Plots'!$B$84:$M$84</c:f>
+              <c:numCache>
+                <c:formatCode>General</c:formatCode>
+                <c:ptCount val="12"/>
+                <c:pt idx="1">
+                  <c:v>3260.0</c:v>
+                </c:pt>
+                <c:pt idx="3">
+                  <c:v>9754.0</c:v>
+                </c:pt>
+                <c:pt idx="5">
+                  <c:v>164.0</c:v>
+                </c:pt>
+                <c:pt idx="7">
+                  <c:v>1332.0</c:v>
+                </c:pt>
+                <c:pt idx="9">
+                  <c:v>5.0</c:v>
+                </c:pt>
+                <c:pt idx="11">
+                  <c:v>2.0</c:v>
+                </c:pt>
+              </c:numCache>
+            </c:numRef>
+          </c:val>
+        </c:ser>
+        <c:dLbls>
+          <c:showLegendKey val="0"/>
+          <c:showVal val="0"/>
+          <c:showCatName val="0"/>
+          <c:showSerName val="0"/>
+          <c:showPercent val="0"/>
+          <c:showBubbleSize val="0"/>
+        </c:dLbls>
+        <c:gapWidth val="150"/>
+        <c:axId val="-2083308104"/>
+        <c:axId val="-2083288504"/>
+      </c:barChart>
+      <c:catAx>
+        <c:axId val="-2061941624"/>
+        <c:scaling>
+          <c:orientation val="minMax"/>
+        </c:scaling>
+        <c:delete val="0"/>
+        <c:axPos val="b"/>
+        <c:title>
+          <c:tx>
+            <c:rich>
+              <a:bodyPr/>
+              <a:lstStyle/>
+              <a:p>
+                <a:pPr>
+                  <a:defRPr/>
+                </a:pPr>
+                <a:r>
+                  <a:rPr lang="en-US"/>
+                  <a:t>Application</a:t>
+                </a:r>
+              </a:p>
+            </c:rich>
+          </c:tx>
+          <c:layout/>
+          <c:overlay val="0"/>
+        </c:title>
+        <c:majorTickMark val="none"/>
+        <c:minorTickMark val="none"/>
+        <c:tickLblPos val="nextTo"/>
+        <c:txPr>
+          <a:bodyPr/>
+          <a:lstStyle/>
+          <a:p>
+            <a:pPr>
+              <a:defRPr sz="800"/>
+            </a:pPr>
+            <a:endParaRPr lang="en-US"/>
+          </a:p>
+        </c:txPr>
+        <c:crossAx val="2079355000"/>
+        <c:crosses val="autoZero"/>
+        <c:auto val="1"/>
+        <c:lblAlgn val="ctr"/>
+        <c:lblOffset val="100"/>
+        <c:noMultiLvlLbl val="0"/>
+      </c:catAx>
+      <c:valAx>
+        <c:axId val="2079355000"/>
+        <c:scaling>
+          <c:logBase val="10.0"/>
+          <c:orientation val="minMax"/>
+        </c:scaling>
+        <c:delete val="0"/>
+        <c:axPos val="l"/>
+        <c:majorGridlines/>
+        <c:title>
+          <c:tx>
+            <c:rich>
+              <a:bodyPr/>
+              <a:lstStyle/>
+              <a:p>
+                <a:pPr>
+                  <a:defRPr/>
+                </a:pPr>
+                <a:r>
+                  <a:rPr lang="en-US"/>
+                  <a:t>Instruction Count</a:t>
+                </a:r>
+              </a:p>
+            </c:rich>
+          </c:tx>
+          <c:layout/>
+          <c:overlay val="0"/>
+        </c:title>
+        <c:numFmt formatCode="General" sourceLinked="1"/>
+        <c:majorTickMark val="out"/>
+        <c:minorTickMark val="none"/>
+        <c:tickLblPos val="nextTo"/>
+        <c:crossAx val="-2061941624"/>
+        <c:crosses val="autoZero"/>
+        <c:crossBetween val="between"/>
+      </c:valAx>
+      <c:valAx>
+        <c:axId val="-2083288504"/>
+        <c:scaling>
+          <c:logBase val="10.0"/>
+          <c:orientation val="minMax"/>
+          <c:max val="100000.0"/>
+        </c:scaling>
+        <c:delete val="0"/>
+        <c:axPos val="r"/>
+        <c:title>
+          <c:tx>
+            <c:rich>
+              <a:bodyPr rot="-5400000" vert="horz"/>
+              <a:lstStyle/>
+              <a:p>
+                <a:pPr>
+                  <a:defRPr/>
+                </a:pPr>
+                <a:r>
+                  <a:rPr lang="en-US"/>
+                  <a:t>ECC Cycles</a:t>
+                </a:r>
+              </a:p>
+            </c:rich>
+          </c:tx>
+          <c:layout/>
+          <c:overlay val="0"/>
+        </c:title>
+        <c:numFmt formatCode="General" sourceLinked="1"/>
+        <c:majorTickMark val="out"/>
+        <c:minorTickMark val="none"/>
+        <c:tickLblPos val="nextTo"/>
+        <c:crossAx val="-2083308104"/>
+        <c:crosses val="max"/>
+        <c:crossBetween val="between"/>
+      </c:valAx>
+      <c:catAx>
+        <c:axId val="-2083308104"/>
+        <c:scaling>
+          <c:orientation val="minMax"/>
+        </c:scaling>
+        <c:delete val="1"/>
+        <c:axPos val="b"/>
+        <c:majorTickMark val="out"/>
+        <c:minorTickMark val="none"/>
+        <c:tickLblPos val="nextTo"/>
+        <c:crossAx val="-2083288504"/>
+        <c:crosses val="autoZero"/>
+        <c:auto val="1"/>
+        <c:lblAlgn val="ctr"/>
+        <c:lblOffset val="100"/>
+        <c:noMultiLvlLbl val="0"/>
+      </c:catAx>
+    </c:plotArea>
+    <c:plotVisOnly val="1"/>
+    <c:dispBlanksAs val="gap"/>
+    <c:showDLblsOverMax val="0"/>
+  </c:chart>
+  <c:externalData r:id="rId1">
+    <c:autoUpdate val="0"/>
+  </c:externalData>
+</c:chartSpace>
+</file>
+
+<file path=ppt/charts/chart4.xml><?xml version="1.0" encoding="utf-8"?>
+<c:chartSpace xmlns:c="http://schemas.openxmlformats.org/drawingml/2006/chart" xmlns:a="http://schemas.openxmlformats.org/drawingml/2006/main" xmlns:r="http://schemas.openxmlformats.org/officeDocument/2006/relationships">
+  <c:date1904 val="0"/>
+  <c:lang val="en-US"/>
+  <c:roundedCorners val="0"/>
+  <mc:AlternateContent xmlns:mc="http://schemas.openxmlformats.org/markup-compatibility/2006">
+    <mc:Choice xmlns:c14="http://schemas.microsoft.com/office/drawing/2007/8/2/chart" Requires="c14">
+      <c14:style val="118"/>
+    </mc:Choice>
+    <mc:Fallback>
+      <c:style val="18"/>
+    </mc:Fallback>
+  </mc:AlternateContent>
+  <c:chart>
+    <c:autoTitleDeleted val="1"/>
+    <c:plotArea>
+      <c:layout/>
+      <c:barChart>
+        <c:barDir val="col"/>
+        <c:grouping val="clustered"/>
+        <c:varyColors val="0"/>
+        <c:ser>
+          <c:idx val="0"/>
+          <c:order val="0"/>
+          <c:invertIfNegative val="0"/>
+          <c:cat>
+            <c:multiLvlStrRef>
+              <c:f>'SIMD Plots'!$B$7:$M$8</c:f>
+              <c:multiLvlStrCache>
+                <c:ptCount val="12"/>
+                <c:lvl>
+                  <c:pt idx="0">
+                    <c:v>SIMD Instructions</c:v>
+                  </c:pt>
+                  <c:pt idx="1">
+                    <c:v>ECC Cycles Required</c:v>
+                  </c:pt>
+                  <c:pt idx="2">
+                    <c:v>SIMD Instructions</c:v>
+                  </c:pt>
+                  <c:pt idx="3">
+                    <c:v>ECC Cycles Required</c:v>
+                  </c:pt>
+                  <c:pt idx="4">
+                    <c:v>SIMD Instructions</c:v>
+                  </c:pt>
+                  <c:pt idx="5">
+                    <c:v>ECC Cycles Required</c:v>
+                  </c:pt>
+                  <c:pt idx="6">
+                    <c:v>SIMD Instructions</c:v>
+                  </c:pt>
+                  <c:pt idx="7">
+                    <c:v>ECC Cycles Required</c:v>
+                  </c:pt>
+                  <c:pt idx="8">
+                    <c:v>SIMD Instructions</c:v>
+                  </c:pt>
+                  <c:pt idx="9">
+                    <c:v>ECC Cycles Required</c:v>
+                  </c:pt>
+                  <c:pt idx="10">
+                    <c:v>SIMD Instructions</c:v>
+                  </c:pt>
+                  <c:pt idx="11">
+                    <c:v>ECC Cycles Required</c:v>
+                  </c:pt>
+                </c:lvl>
+                <c:lvl>
+                  <c:pt idx="0">
+                    <c:v>Ising Model n100</c:v>
+                  </c:pt>
+                  <c:pt idx="2">
+                    <c:v>BWT</c:v>
+                  </c:pt>
+                  <c:pt idx="4">
+                    <c:v>SHA-1</c:v>
+                  </c:pt>
+                  <c:pt idx="6">
+                    <c:v>Shors n4</c:v>
+                  </c:pt>
+                  <c:pt idx="8">
+                    <c:v>QFT n5</c:v>
+                  </c:pt>
+                  <c:pt idx="10">
+                    <c:v>Square Root</c:v>
+                  </c:pt>
+                </c:lvl>
+              </c:multiLvlStrCache>
+            </c:multiLvlStrRef>
+          </c:cat>
+          <c:val>
+            <c:numRef>
+              <c:f>'SIMD Plots'!$B$123:$M$123</c:f>
               <c:numCache>
                 <c:formatCode>General</c:formatCode>
                 <c:ptCount val="12"/>
@@ -1026,8 +1422,8 @@
           <c:showBubbleSize val="0"/>
         </c:dLbls>
         <c:gapWidth val="150"/>
-        <c:axId val="-2087887848"/>
-        <c:axId val="-2087882408"/>
+        <c:axId val="-2059778808"/>
+        <c:axId val="2090122744"/>
       </c:barChart>
       <c:barChart>
         <c:barDir val="col"/>
@@ -1039,7 +1435,7 @@
           <c:invertIfNegative val="0"/>
           <c:cat>
             <c:multiLvlStrRef>
-              <c:f>Plotting!$B$7:$M$8</c:f>
+              <c:f>'SIMD Plots'!$B$7:$M$8</c:f>
               <c:multiLvlStrCache>
                 <c:ptCount val="12"/>
                 <c:lvl>
@@ -1105,27 +1501,27 @@
           </c:cat>
           <c:val>
             <c:numRef>
-              <c:f>Plotting!$B$86:$M$86</c:f>
+              <c:f>'SIMD Plots'!$B$124:$M$124</c:f>
               <c:numCache>
                 <c:formatCode>General</c:formatCode>
                 <c:ptCount val="12"/>
                 <c:pt idx="1">
-                  <c:v>4761.0</c:v>
+                  <c:v>67.0</c:v>
                 </c:pt>
                 <c:pt idx="3">
-                  <c:v>46349.0</c:v>
+                  <c:v>20233.0</c:v>
                 </c:pt>
                 <c:pt idx="5">
-                  <c:v>198.0</c:v>
+                  <c:v>164.0</c:v>
                 </c:pt>
                 <c:pt idx="7">
-                  <c:v>12499.0</c:v>
+                  <c:v>3482.0</c:v>
                 </c:pt>
                 <c:pt idx="9">
-                  <c:v>8.0</c:v>
+                  <c:v>5.0</c:v>
                 </c:pt>
                 <c:pt idx="11">
-                  <c:v>30.0</c:v>
+                  <c:v>14.0</c:v>
                 </c:pt>
               </c:numCache>
             </c:numRef>
@@ -1140,11 +1536,11 @@
           <c:showBubbleSize val="0"/>
         </c:dLbls>
         <c:gapWidth val="150"/>
-        <c:axId val="-2089388664"/>
-        <c:axId val="-2087876792"/>
+        <c:axId val="-2062710904"/>
+        <c:axId val="-2059707800"/>
       </c:barChart>
       <c:catAx>
-        <c:axId val="-2087887848"/>
+        <c:axId val="-2059778808"/>
         <c:scaling>
           <c:orientation val="minMax"/>
         </c:scaling>
@@ -1182,7 +1578,7 @@
             <a:endParaRPr lang="en-US"/>
           </a:p>
         </c:txPr>
-        <c:crossAx val="-2087882408"/>
+        <c:crossAx val="2090122744"/>
         <c:crosses val="autoZero"/>
         <c:auto val="1"/>
         <c:lblAlgn val="ctr"/>
@@ -1190,7 +1586,7 @@
         <c:noMultiLvlLbl val="0"/>
       </c:catAx>
       <c:valAx>
-        <c:axId val="-2087882408"/>
+        <c:axId val="2090122744"/>
         <c:scaling>
           <c:logBase val="10.0"/>
           <c:orientation val="minMax"/>
@@ -1221,12 +1617,403 @@
         <c:majorTickMark val="out"/>
         <c:minorTickMark val="none"/>
         <c:tickLblPos val="nextTo"/>
-        <c:crossAx val="-2087887848"/>
+        <c:crossAx val="-2059778808"/>
         <c:crosses val="autoZero"/>
         <c:crossBetween val="between"/>
       </c:valAx>
       <c:valAx>
-        <c:axId val="-2087876792"/>
+        <c:axId val="-2059707800"/>
+        <c:scaling>
+          <c:logBase val="10.0"/>
+          <c:orientation val="minMax"/>
+          <c:max val="100000.0"/>
+        </c:scaling>
+        <c:delete val="0"/>
+        <c:axPos val="r"/>
+        <c:title>
+          <c:tx>
+            <c:rich>
+              <a:bodyPr rot="-5400000" vert="horz"/>
+              <a:lstStyle/>
+              <a:p>
+                <a:pPr>
+                  <a:defRPr/>
+                </a:pPr>
+                <a:r>
+                  <a:rPr lang="en-US"/>
+                  <a:t>ECC Cycles</a:t>
+                </a:r>
+              </a:p>
+            </c:rich>
+          </c:tx>
+          <c:layout/>
+          <c:overlay val="0"/>
+        </c:title>
+        <c:numFmt formatCode="General" sourceLinked="1"/>
+        <c:majorTickMark val="out"/>
+        <c:minorTickMark val="none"/>
+        <c:tickLblPos val="nextTo"/>
+        <c:crossAx val="-2062710904"/>
+        <c:crosses val="max"/>
+        <c:crossBetween val="between"/>
+      </c:valAx>
+      <c:catAx>
+        <c:axId val="-2062710904"/>
+        <c:scaling>
+          <c:orientation val="minMax"/>
+        </c:scaling>
+        <c:delete val="1"/>
+        <c:axPos val="b"/>
+        <c:majorTickMark val="out"/>
+        <c:minorTickMark val="none"/>
+        <c:tickLblPos val="nextTo"/>
+        <c:crossAx val="-2059707800"/>
+        <c:crosses val="autoZero"/>
+        <c:auto val="1"/>
+        <c:lblAlgn val="ctr"/>
+        <c:lblOffset val="100"/>
+        <c:noMultiLvlLbl val="0"/>
+      </c:catAx>
+    </c:plotArea>
+    <c:plotVisOnly val="1"/>
+    <c:dispBlanksAs val="gap"/>
+    <c:showDLblsOverMax val="0"/>
+  </c:chart>
+  <c:externalData r:id="rId1">
+    <c:autoUpdate val="0"/>
+  </c:externalData>
+</c:chartSpace>
+</file>
+
+<file path=ppt/charts/chart5.xml><?xml version="1.0" encoding="utf-8"?>
+<c:chartSpace xmlns:c="http://schemas.openxmlformats.org/drawingml/2006/chart" xmlns:a="http://schemas.openxmlformats.org/drawingml/2006/main" xmlns:r="http://schemas.openxmlformats.org/officeDocument/2006/relationships">
+  <c:date1904 val="0"/>
+  <c:lang val="en-US"/>
+  <c:roundedCorners val="0"/>
+  <mc:AlternateContent xmlns:mc="http://schemas.openxmlformats.org/markup-compatibility/2006">
+    <mc:Choice xmlns:c14="http://schemas.microsoft.com/office/drawing/2007/8/2/chart" Requires="c14">
+      <c14:style val="118"/>
+    </mc:Choice>
+    <mc:Fallback>
+      <c:style val="18"/>
+    </mc:Fallback>
+  </mc:AlternateContent>
+  <c:chart>
+    <c:autoTitleDeleted val="1"/>
+    <c:plotArea>
+      <c:layout/>
+      <c:barChart>
+        <c:barDir val="col"/>
+        <c:grouping val="clustered"/>
+        <c:varyColors val="0"/>
+        <c:ser>
+          <c:idx val="0"/>
+          <c:order val="0"/>
+          <c:invertIfNegative val="0"/>
+          <c:cat>
+            <c:multiLvlStrRef>
+              <c:f>'SIMD Plots'!$B$7:$M$8</c:f>
+              <c:multiLvlStrCache>
+                <c:ptCount val="12"/>
+                <c:lvl>
+                  <c:pt idx="0">
+                    <c:v>SIMD Instructions</c:v>
+                  </c:pt>
+                  <c:pt idx="1">
+                    <c:v>ECC Cycles Required</c:v>
+                  </c:pt>
+                  <c:pt idx="2">
+                    <c:v>SIMD Instructions</c:v>
+                  </c:pt>
+                  <c:pt idx="3">
+                    <c:v>ECC Cycles Required</c:v>
+                  </c:pt>
+                  <c:pt idx="4">
+                    <c:v>SIMD Instructions</c:v>
+                  </c:pt>
+                  <c:pt idx="5">
+                    <c:v>ECC Cycles Required</c:v>
+                  </c:pt>
+                  <c:pt idx="6">
+                    <c:v>SIMD Instructions</c:v>
+                  </c:pt>
+                  <c:pt idx="7">
+                    <c:v>ECC Cycles Required</c:v>
+                  </c:pt>
+                  <c:pt idx="8">
+                    <c:v>SIMD Instructions</c:v>
+                  </c:pt>
+                  <c:pt idx="9">
+                    <c:v>ECC Cycles Required</c:v>
+                  </c:pt>
+                  <c:pt idx="10">
+                    <c:v>SIMD Instructions</c:v>
+                  </c:pt>
+                  <c:pt idx="11">
+                    <c:v>ECC Cycles Required</c:v>
+                  </c:pt>
+                </c:lvl>
+                <c:lvl>
+                  <c:pt idx="0">
+                    <c:v>Ising Model n100</c:v>
+                  </c:pt>
+                  <c:pt idx="2">
+                    <c:v>BWT</c:v>
+                  </c:pt>
+                  <c:pt idx="4">
+                    <c:v>SHA-1</c:v>
+                  </c:pt>
+                  <c:pt idx="6">
+                    <c:v>Shors n4</c:v>
+                  </c:pt>
+                  <c:pt idx="8">
+                    <c:v>QFT n5</c:v>
+                  </c:pt>
+                  <c:pt idx="10">
+                    <c:v>Square Root</c:v>
+                  </c:pt>
+                </c:lvl>
+              </c:multiLvlStrCache>
+            </c:multiLvlStrRef>
+          </c:cat>
+          <c:val>
+            <c:numRef>
+              <c:f>'SIMD Plots'!$B$166:$M$166</c:f>
+              <c:numCache>
+                <c:formatCode>General</c:formatCode>
+                <c:ptCount val="12"/>
+                <c:pt idx="0">
+                  <c:v>40185.0</c:v>
+                </c:pt>
+                <c:pt idx="2">
+                  <c:v>1.5811601E7</c:v>
+                </c:pt>
+                <c:pt idx="4">
+                  <c:v>122934.0</c:v>
+                </c:pt>
+                <c:pt idx="6">
+                  <c:v>2.11594E6</c:v>
+                </c:pt>
+                <c:pt idx="8">
+                  <c:v>2905.0</c:v>
+                </c:pt>
+                <c:pt idx="10">
+                  <c:v>8543.0</c:v>
+                </c:pt>
+              </c:numCache>
+            </c:numRef>
+          </c:val>
+        </c:ser>
+        <c:dLbls>
+          <c:showLegendKey val="0"/>
+          <c:showVal val="0"/>
+          <c:showCatName val="0"/>
+          <c:showSerName val="0"/>
+          <c:showPercent val="0"/>
+          <c:showBubbleSize val="0"/>
+        </c:dLbls>
+        <c:gapWidth val="150"/>
+        <c:axId val="-2053549464"/>
+        <c:axId val="-2053366984"/>
+      </c:barChart>
+      <c:barChart>
+        <c:barDir val="col"/>
+        <c:grouping val="clustered"/>
+        <c:varyColors val="0"/>
+        <c:ser>
+          <c:idx val="1"/>
+          <c:order val="1"/>
+          <c:invertIfNegative val="0"/>
+          <c:cat>
+            <c:multiLvlStrRef>
+              <c:f>'SIMD Plots'!$B$7:$M$8</c:f>
+              <c:multiLvlStrCache>
+                <c:ptCount val="12"/>
+                <c:lvl>
+                  <c:pt idx="0">
+                    <c:v>SIMD Instructions</c:v>
+                  </c:pt>
+                  <c:pt idx="1">
+                    <c:v>ECC Cycles Required</c:v>
+                  </c:pt>
+                  <c:pt idx="2">
+                    <c:v>SIMD Instructions</c:v>
+                  </c:pt>
+                  <c:pt idx="3">
+                    <c:v>ECC Cycles Required</c:v>
+                  </c:pt>
+                  <c:pt idx="4">
+                    <c:v>SIMD Instructions</c:v>
+                  </c:pt>
+                  <c:pt idx="5">
+                    <c:v>ECC Cycles Required</c:v>
+                  </c:pt>
+                  <c:pt idx="6">
+                    <c:v>SIMD Instructions</c:v>
+                  </c:pt>
+                  <c:pt idx="7">
+                    <c:v>ECC Cycles Required</c:v>
+                  </c:pt>
+                  <c:pt idx="8">
+                    <c:v>SIMD Instructions</c:v>
+                  </c:pt>
+                  <c:pt idx="9">
+                    <c:v>ECC Cycles Required</c:v>
+                  </c:pt>
+                  <c:pt idx="10">
+                    <c:v>SIMD Instructions</c:v>
+                  </c:pt>
+                  <c:pt idx="11">
+                    <c:v>ECC Cycles Required</c:v>
+                  </c:pt>
+                </c:lvl>
+                <c:lvl>
+                  <c:pt idx="0">
+                    <c:v>Ising Model n100</c:v>
+                  </c:pt>
+                  <c:pt idx="2">
+                    <c:v>BWT</c:v>
+                  </c:pt>
+                  <c:pt idx="4">
+                    <c:v>SHA-1</c:v>
+                  </c:pt>
+                  <c:pt idx="6">
+                    <c:v>Shors n4</c:v>
+                  </c:pt>
+                  <c:pt idx="8">
+                    <c:v>QFT n5</c:v>
+                  </c:pt>
+                  <c:pt idx="10">
+                    <c:v>Square Root</c:v>
+                  </c:pt>
+                </c:lvl>
+              </c:multiLvlStrCache>
+            </c:multiLvlStrRef>
+          </c:cat>
+          <c:val>
+            <c:numRef>
+              <c:f>'SIMD Plots'!$B$167:$M$167</c:f>
+              <c:numCache>
+                <c:formatCode>General</c:formatCode>
+                <c:ptCount val="12"/>
+                <c:pt idx="1">
+                  <c:v>65.0</c:v>
+                </c:pt>
+                <c:pt idx="3">
+                  <c:v>20233.0</c:v>
+                </c:pt>
+                <c:pt idx="5">
+                  <c:v>197.0</c:v>
+                </c:pt>
+                <c:pt idx="7">
+                  <c:v>3386.0</c:v>
+                </c:pt>
+                <c:pt idx="9">
+                  <c:v>5.0</c:v>
+                </c:pt>
+                <c:pt idx="11">
+                  <c:v>14.0</c:v>
+                </c:pt>
+              </c:numCache>
+            </c:numRef>
+          </c:val>
+        </c:ser>
+        <c:dLbls>
+          <c:showLegendKey val="0"/>
+          <c:showVal val="0"/>
+          <c:showCatName val="0"/>
+          <c:showSerName val="0"/>
+          <c:showPercent val="0"/>
+          <c:showBubbleSize val="0"/>
+        </c:dLbls>
+        <c:gapWidth val="150"/>
+        <c:axId val="-2053355896"/>
+        <c:axId val="-2053361384"/>
+      </c:barChart>
+      <c:catAx>
+        <c:axId val="-2053549464"/>
+        <c:scaling>
+          <c:orientation val="minMax"/>
+        </c:scaling>
+        <c:delete val="0"/>
+        <c:axPos val="b"/>
+        <c:title>
+          <c:tx>
+            <c:rich>
+              <a:bodyPr/>
+              <a:lstStyle/>
+              <a:p>
+                <a:pPr>
+                  <a:defRPr/>
+                </a:pPr>
+                <a:r>
+                  <a:rPr lang="en-US"/>
+                  <a:t>Application</a:t>
+                </a:r>
+              </a:p>
+            </c:rich>
+          </c:tx>
+          <c:layout/>
+          <c:overlay val="0"/>
+        </c:title>
+        <c:majorTickMark val="none"/>
+        <c:minorTickMark val="none"/>
+        <c:tickLblPos val="nextTo"/>
+        <c:txPr>
+          <a:bodyPr/>
+          <a:lstStyle/>
+          <a:p>
+            <a:pPr>
+              <a:defRPr sz="800"/>
+            </a:pPr>
+            <a:endParaRPr lang="en-US"/>
+          </a:p>
+        </c:txPr>
+        <c:crossAx val="-2053366984"/>
+        <c:crosses val="autoZero"/>
+        <c:auto val="1"/>
+        <c:lblAlgn val="ctr"/>
+        <c:lblOffset val="100"/>
+        <c:noMultiLvlLbl val="0"/>
+      </c:catAx>
+      <c:valAx>
+        <c:axId val="-2053366984"/>
+        <c:scaling>
+          <c:logBase val="10.0"/>
+          <c:orientation val="minMax"/>
+        </c:scaling>
+        <c:delete val="0"/>
+        <c:axPos val="l"/>
+        <c:majorGridlines/>
+        <c:title>
+          <c:tx>
+            <c:rich>
+              <a:bodyPr/>
+              <a:lstStyle/>
+              <a:p>
+                <a:pPr>
+                  <a:defRPr/>
+                </a:pPr>
+                <a:r>
+                  <a:rPr lang="en-US"/>
+                  <a:t>Instruction Count</a:t>
+                </a:r>
+              </a:p>
+            </c:rich>
+          </c:tx>
+          <c:layout/>
+          <c:overlay val="0"/>
+        </c:title>
+        <c:numFmt formatCode="General" sourceLinked="1"/>
+        <c:majorTickMark val="out"/>
+        <c:minorTickMark val="none"/>
+        <c:tickLblPos val="nextTo"/>
+        <c:crossAx val="-2053549464"/>
+        <c:crosses val="autoZero"/>
+        <c:crossBetween val="between"/>
+      </c:valAx>
+      <c:valAx>
+        <c:axId val="-2053361384"/>
         <c:scaling>
           <c:logBase val="10.0"/>
           <c:orientation val="minMax"/>
@@ -1256,12 +2043,12 @@
         <c:majorTickMark val="out"/>
         <c:minorTickMark val="none"/>
         <c:tickLblPos val="nextTo"/>
-        <c:crossAx val="-2089388664"/>
+        <c:crossAx val="-2053355896"/>
         <c:crosses val="max"/>
         <c:crossBetween val="between"/>
       </c:valAx>
       <c:catAx>
-        <c:axId val="-2089388664"/>
+        <c:axId val="-2053355896"/>
         <c:scaling>
           <c:orientation val="minMax"/>
         </c:scaling>
@@ -1270,7 +2057,7 @@
         <c:majorTickMark val="out"/>
         <c:minorTickMark val="none"/>
         <c:tickLblPos val="nextTo"/>
-        <c:crossAx val="-2087876792"/>
+        <c:crossAx val="-2053361384"/>
         <c:crosses val="autoZero"/>
         <c:auto val="1"/>
         <c:lblAlgn val="ctr"/>
@@ -1469,7 +2256,7 @@
           <a:p>
             <a:fld id="{DC845559-53B1-3445-81EA-1B08573D1524}" type="datetimeFigureOut">
               <a:rPr lang="en-US" smtClean="0"/>
-              <a:t>3/12/17</a:t>
+              <a:t>3/13/17</a:t>
             </a:fld>
             <a:endParaRPr lang="en-US"/>
           </a:p>
@@ -1639,7 +2426,7 @@
           <a:p>
             <a:fld id="{DC845559-53B1-3445-81EA-1B08573D1524}" type="datetimeFigureOut">
               <a:rPr lang="en-US" smtClean="0"/>
-              <a:t>3/12/17</a:t>
+              <a:t>3/13/17</a:t>
             </a:fld>
             <a:endParaRPr lang="en-US"/>
           </a:p>
@@ -1819,7 +2606,7 @@
           <a:p>
             <a:fld id="{DC845559-53B1-3445-81EA-1B08573D1524}" type="datetimeFigureOut">
               <a:rPr lang="en-US" smtClean="0"/>
-              <a:t>3/12/17</a:t>
+              <a:t>3/13/17</a:t>
             </a:fld>
             <a:endParaRPr lang="en-US"/>
           </a:p>
@@ -1989,7 +2776,7 @@
           <a:p>
             <a:fld id="{DC845559-53B1-3445-81EA-1B08573D1524}" type="datetimeFigureOut">
               <a:rPr lang="en-US" smtClean="0"/>
-              <a:t>3/12/17</a:t>
+              <a:t>3/13/17</a:t>
             </a:fld>
             <a:endParaRPr lang="en-US"/>
           </a:p>
@@ -2235,7 +3022,7 @@
           <a:p>
             <a:fld id="{DC845559-53B1-3445-81EA-1B08573D1524}" type="datetimeFigureOut">
               <a:rPr lang="en-US" smtClean="0"/>
-              <a:t>3/12/17</a:t>
+              <a:t>3/13/17</a:t>
             </a:fld>
             <a:endParaRPr lang="en-US"/>
           </a:p>
@@ -2523,7 +3310,7 @@
           <a:p>
             <a:fld id="{DC845559-53B1-3445-81EA-1B08573D1524}" type="datetimeFigureOut">
               <a:rPr lang="en-US" smtClean="0"/>
-              <a:t>3/12/17</a:t>
+              <a:t>3/13/17</a:t>
             </a:fld>
             <a:endParaRPr lang="en-US"/>
           </a:p>
@@ -2945,7 +3732,7 @@
           <a:p>
             <a:fld id="{DC845559-53B1-3445-81EA-1B08573D1524}" type="datetimeFigureOut">
               <a:rPr lang="en-US" smtClean="0"/>
-              <a:t>3/12/17</a:t>
+              <a:t>3/13/17</a:t>
             </a:fld>
             <a:endParaRPr lang="en-US"/>
           </a:p>
@@ -3063,7 +3850,7 @@
           <a:p>
             <a:fld id="{DC845559-53B1-3445-81EA-1B08573D1524}" type="datetimeFigureOut">
               <a:rPr lang="en-US" smtClean="0"/>
-              <a:t>3/12/17</a:t>
+              <a:t>3/13/17</a:t>
             </a:fld>
             <a:endParaRPr lang="en-US"/>
           </a:p>
@@ -3158,7 +3945,7 @@
           <a:p>
             <a:fld id="{DC845559-53B1-3445-81EA-1B08573D1524}" type="datetimeFigureOut">
               <a:rPr lang="en-US" smtClean="0"/>
-              <a:t>3/12/17</a:t>
+              <a:t>3/13/17</a:t>
             </a:fld>
             <a:endParaRPr lang="en-US"/>
           </a:p>
@@ -3435,7 +4222,7 @@
           <a:p>
             <a:fld id="{DC845559-53B1-3445-81EA-1B08573D1524}" type="datetimeFigureOut">
               <a:rPr lang="en-US" smtClean="0"/>
-              <a:t>3/12/17</a:t>
+              <a:t>3/13/17</a:t>
             </a:fld>
             <a:endParaRPr lang="en-US"/>
           </a:p>
@@ -3688,7 +4475,7 @@
           <a:p>
             <a:fld id="{DC845559-53B1-3445-81EA-1B08573D1524}" type="datetimeFigureOut">
               <a:rPr lang="en-US" smtClean="0"/>
-              <a:t>3/12/17</a:t>
+              <a:t>3/13/17</a:t>
             </a:fld>
             <a:endParaRPr lang="en-US"/>
           </a:p>
@@ -3901,7 +4688,7 @@
           <a:p>
             <a:fld id="{DC845559-53B1-3445-81EA-1B08573D1524}" type="datetimeFigureOut">
               <a:rPr lang="en-US" smtClean="0"/>
-              <a:t>3/12/17</a:t>
+              <a:t>3/13/17</a:t>
             </a:fld>
             <a:endParaRPr lang="en-US"/>
           </a:p>
@@ -4365,24 +5152,20 @@
         <p:spPr/>
         <p:txBody>
           <a:bodyPr>
-            <a:normAutofit fontScale="90000"/>
+            <a:normAutofit/>
           </a:bodyPr>
           <a:lstStyle/>
           <a:p>
             <a:r>
               <a:rPr lang="en-US" dirty="0" smtClean="0"/>
-              <a:t>Internal Memory Application Statistics</a:t>
+              <a:t>Serial I/O Application Statistics</a:t>
             </a:r>
             <a:br>
               <a:rPr lang="en-US" dirty="0" smtClean="0"/>
             </a:br>
             <a:r>
-              <a:rPr lang="en-US" sz="2000" dirty="0" err="1" smtClean="0"/>
-              <a:t>Unflattened</a:t>
-            </a:r>
-            <a:r>
               <a:rPr lang="en-US" sz="2000" dirty="0" smtClean="0"/>
-              <a:t> Applications</a:t>
+              <a:t>Fully Flattened Applications</a:t>
             </a:r>
             <a:endParaRPr lang="en-US" sz="2000" dirty="0"/>
           </a:p>
@@ -4398,13 +5181,27 @@
         </p:nvSpPr>
         <p:spPr>
           <a:xfrm>
-            <a:off x="457200" y="5566832"/>
+            <a:off x="457200" y="5704415"/>
             <a:ext cx="8229600" cy="765705"/>
           </a:xfrm>
           <a:prstGeom prst="rect">
             <a:avLst/>
           </a:prstGeom>
         </p:spPr>
+        <p:style>
+          <a:lnRef idx="2">
+            <a:schemeClr val="dk1"/>
+          </a:lnRef>
+          <a:fillRef idx="1">
+            <a:schemeClr val="lt1"/>
+          </a:fillRef>
+          <a:effectRef idx="0">
+            <a:schemeClr val="dk1"/>
+          </a:effectRef>
+          <a:fontRef idx="minor">
+            <a:schemeClr val="dk1"/>
+          </a:fontRef>
+        </p:style>
         <p:txBody>
           <a:bodyPr vert="horz" lIns="91440" tIns="45720" rIns="91440" bIns="45720" rtlCol="0" anchor="ctr">
             <a:normAutofit/>
@@ -4429,7 +5226,7 @@
             <a:pPr algn="l"/>
             <a:r>
               <a:rPr lang="en-US" sz="2000" dirty="0" smtClean="0"/>
-              <a:t>Adding internal memory of 64KB shows a trade off: good caching requires low exposed parallelism</a:t>
+              <a:t>Serial I/O without internal memory requires many ECC cycles to execute applications with reasonable success probability (≥ 50 %)</a:t>
             </a:r>
             <a:endParaRPr lang="en-US" sz="2000" dirty="0"/>
           </a:p>
@@ -4437,7 +5234,7 @@
       </p:sp>
       <p:graphicFrame>
         <p:nvGraphicFramePr>
-          <p:cNvPr id="11" name="Content Placeholder 10"/>
+          <p:cNvPr id="6" name="Content Placeholder 5"/>
           <p:cNvGraphicFramePr>
             <a:graphicFrameLocks noGrp="1"/>
           </p:cNvGraphicFramePr>
@@ -4445,14 +5242,14 @@
             <p:ph idx="1"/>
             <p:extLst>
               <p:ext uri="{D42A27DB-BD31-4B8C-83A1-F6EECF244321}">
-                <p14:modId xmlns:p14="http://schemas.microsoft.com/office/powerpoint/2010/main" val="76405000"/>
+                <p14:modId xmlns:p14="http://schemas.microsoft.com/office/powerpoint/2010/main" val="1988931567"/>
               </p:ext>
             </p:extLst>
           </p:nvPr>
         </p:nvGraphicFramePr>
         <p:xfrm>
-          <a:off x="457200" y="1417639"/>
-          <a:ext cx="8229600" cy="4297362"/>
+          <a:off x="457200" y="1600200"/>
+          <a:ext cx="8229600" cy="4104215"/>
         </p:xfrm>
         <a:graphic>
           <a:graphicData uri="http://schemas.openxmlformats.org/drawingml/2006/chart">
@@ -4463,7 +5260,7 @@
     </p:spTree>
     <p:extLst>
       <p:ext uri="{BB962C8B-B14F-4D97-AF65-F5344CB8AC3E}">
-        <p14:creationId xmlns:p14="http://schemas.microsoft.com/office/powerpoint/2010/main" val="671124783"/>
+        <p14:creationId xmlns:p14="http://schemas.microsoft.com/office/powerpoint/2010/main" val="558172282"/>
       </p:ext>
     </p:extLst>
   </p:cSld>
@@ -4515,8 +5312,12 @@
               <a:rPr lang="en-US" dirty="0" smtClean="0"/>
             </a:br>
             <a:r>
+              <a:rPr lang="en-US" sz="2000" dirty="0" err="1" smtClean="0"/>
+              <a:t>Unflattened</a:t>
+            </a:r>
+            <a:r>
               <a:rPr lang="en-US" sz="2000" dirty="0" smtClean="0"/>
-              <a:t>100K Flattened Applications</a:t>
+              <a:t> Applications</a:t>
             </a:r>
             <a:endParaRPr lang="en-US" sz="2000" dirty="0"/>
           </a:p>
@@ -4539,6 +5340,20 @@
             <a:avLst/>
           </a:prstGeom>
         </p:spPr>
+        <p:style>
+          <a:lnRef idx="2">
+            <a:schemeClr val="dk1"/>
+          </a:lnRef>
+          <a:fillRef idx="1">
+            <a:schemeClr val="lt1"/>
+          </a:fillRef>
+          <a:effectRef idx="0">
+            <a:schemeClr val="dk1"/>
+          </a:effectRef>
+          <a:fontRef idx="minor">
+            <a:schemeClr val="dk1"/>
+          </a:fontRef>
+        </p:style>
         <p:txBody>
           <a:bodyPr vert="horz" lIns="91440" tIns="45720" rIns="91440" bIns="45720" rtlCol="0" anchor="ctr">
             <a:normAutofit/>
@@ -4563,35 +5378,45 @@
             <a:pPr algn="l"/>
             <a:r>
               <a:rPr lang="en-US" sz="2000" dirty="0" smtClean="0"/>
-              <a:t>Adding internal memory of 64KB shows a trade off: good caching requires low exposed parallelism</a:t>
+              <a:t>Adding internal memory of 64KB shows large immediate improvement in all applications: average reduction in ECC cycles of </a:t>
+            </a:r>
+            <a:r>
+              <a:rPr lang="en-US" sz="2000" dirty="0" smtClean="0"/>
+              <a:t>100x </a:t>
             </a:r>
             <a:endParaRPr lang="en-US" sz="2000" dirty="0"/>
           </a:p>
         </p:txBody>
       </p:sp>
-      <p:sp>
-        <p:nvSpPr>
-          <p:cNvPr id="2" name="Content Placeholder 1"/>
-          <p:cNvSpPr>
-            <a:spLocks noGrp="1"/>
-          </p:cNvSpPr>
+      <p:graphicFrame>
+        <p:nvGraphicFramePr>
+          <p:cNvPr id="6" name="Content Placeholder 5"/>
+          <p:cNvGraphicFramePr>
+            <a:graphicFrameLocks noGrp="1"/>
+          </p:cNvGraphicFramePr>
           <p:nvPr>
             <p:ph idx="1"/>
-          </p:nvPr>
-        </p:nvSpPr>
-        <p:spPr/>
-        <p:txBody>
-          <a:bodyPr/>
-          <a:lstStyle/>
-          <a:p>
-            <a:endParaRPr lang="en-US"/>
-          </a:p>
-        </p:txBody>
-      </p:sp>
+            <p:extLst>
+              <p:ext uri="{D42A27DB-BD31-4B8C-83A1-F6EECF244321}">
+                <p14:modId xmlns:p14="http://schemas.microsoft.com/office/powerpoint/2010/main" val="844153605"/>
+              </p:ext>
+            </p:extLst>
+          </p:nvPr>
+        </p:nvGraphicFramePr>
+        <p:xfrm>
+          <a:off x="457200" y="1600201"/>
+          <a:ext cx="8229600" cy="3966632"/>
+        </p:xfrm>
+        <a:graphic>
+          <a:graphicData uri="http://schemas.openxmlformats.org/drawingml/2006/chart">
+            <c:chart xmlns:c="http://schemas.openxmlformats.org/drawingml/2006/chart" xmlns:r="http://schemas.openxmlformats.org/officeDocument/2006/relationships" r:id="rId2"/>
+          </a:graphicData>
+        </a:graphic>
+      </p:graphicFrame>
     </p:spTree>
     <p:extLst>
       <p:ext uri="{BB962C8B-B14F-4D97-AF65-F5344CB8AC3E}">
-        <p14:creationId xmlns:p14="http://schemas.microsoft.com/office/powerpoint/2010/main" val="3164055995"/>
+        <p14:creationId xmlns:p14="http://schemas.microsoft.com/office/powerpoint/2010/main" val="671124783"/>
       </p:ext>
     </p:extLst>
   </p:cSld>
@@ -4644,7 +5469,7 @@
             </a:br>
             <a:r>
               <a:rPr lang="en-US" sz="2000" dirty="0" smtClean="0"/>
-              <a:t>2M Flattened Applications</a:t>
+              <a:t>10K Flattened Applications</a:t>
             </a:r>
             <a:endParaRPr lang="en-US" sz="2000" dirty="0"/>
           </a:p>
@@ -4660,13 +5485,27 @@
         </p:nvSpPr>
         <p:spPr>
           <a:xfrm>
-            <a:off x="457200" y="5634036"/>
+            <a:off x="457200" y="5566832"/>
             <a:ext cx="8229600" cy="765705"/>
           </a:xfrm>
           <a:prstGeom prst="rect">
             <a:avLst/>
           </a:prstGeom>
         </p:spPr>
+        <p:style>
+          <a:lnRef idx="2">
+            <a:schemeClr val="dk1"/>
+          </a:lnRef>
+          <a:fillRef idx="1">
+            <a:schemeClr val="lt1"/>
+          </a:fillRef>
+          <a:effectRef idx="0">
+            <a:schemeClr val="dk1"/>
+          </a:effectRef>
+          <a:fontRef idx="minor">
+            <a:schemeClr val="dk1"/>
+          </a:fontRef>
+        </p:style>
         <p:txBody>
           <a:bodyPr vert="horz" lIns="91440" tIns="45720" rIns="91440" bIns="45720" rtlCol="0" anchor="ctr">
             <a:normAutofit/>
@@ -4691,9 +5530,169 @@
             <a:pPr algn="l"/>
             <a:r>
               <a:rPr lang="en-US" sz="2000" dirty="0" smtClean="0"/>
-              <a:t>Only largely parallel applications benefit from flattening – smaller and more serial applications suffer drastically</a:t>
+              <a:t>Flattening at the smallest threshold causes code size changes that result in approximately </a:t>
+            </a:r>
+            <a:r>
+              <a:rPr lang="en-US" sz="2000" dirty="0" smtClean="0"/>
+              <a:t>1.5x </a:t>
+            </a:r>
+            <a:r>
+              <a:rPr lang="en-US" sz="2000" dirty="0" smtClean="0"/>
+              <a:t>increase in ECC cycles required across all applications </a:t>
             </a:r>
             <a:endParaRPr lang="en-US" sz="2000" dirty="0"/>
+          </a:p>
+        </p:txBody>
+      </p:sp>
+      <p:graphicFrame>
+        <p:nvGraphicFramePr>
+          <p:cNvPr id="8" name="Content Placeholder 7"/>
+          <p:cNvGraphicFramePr>
+            <a:graphicFrameLocks noGrp="1"/>
+          </p:cNvGraphicFramePr>
+          <p:nvPr>
+            <p:ph idx="1"/>
+            <p:extLst>
+              <p:ext uri="{D42A27DB-BD31-4B8C-83A1-F6EECF244321}">
+                <p14:modId xmlns:p14="http://schemas.microsoft.com/office/powerpoint/2010/main" val="1438024776"/>
+              </p:ext>
+            </p:extLst>
+          </p:nvPr>
+        </p:nvGraphicFramePr>
+        <p:xfrm>
+          <a:off x="457200" y="1600201"/>
+          <a:ext cx="8229600" cy="3966632"/>
+        </p:xfrm>
+        <a:graphic>
+          <a:graphicData uri="http://schemas.openxmlformats.org/drawingml/2006/chart">
+            <c:chart xmlns:c="http://schemas.openxmlformats.org/drawingml/2006/chart" xmlns:r="http://schemas.openxmlformats.org/officeDocument/2006/relationships" r:id="rId2"/>
+          </a:graphicData>
+        </a:graphic>
+      </p:graphicFrame>
+    </p:spTree>
+    <p:extLst>
+      <p:ext uri="{BB962C8B-B14F-4D97-AF65-F5344CB8AC3E}">
+        <p14:creationId xmlns:p14="http://schemas.microsoft.com/office/powerpoint/2010/main" val="3164055995"/>
+      </p:ext>
+    </p:extLst>
+  </p:cSld>
+  <p:clrMapOvr>
+    <a:masterClrMapping/>
+  </p:clrMapOvr>
+</p:sld>
+</file>
+
+<file path=ppt/slides/slide13.xml><?xml version="1.0" encoding="utf-8"?>
+<p:sld xmlns:a="http://schemas.openxmlformats.org/drawingml/2006/main" xmlns:r="http://schemas.openxmlformats.org/officeDocument/2006/relationships" xmlns:p="http://schemas.openxmlformats.org/presentationml/2006/main">
+  <p:cSld>
+    <p:spTree>
+      <p:nvGrpSpPr>
+        <p:cNvPr id="1" name=""/>
+        <p:cNvGrpSpPr/>
+        <p:nvPr/>
+      </p:nvGrpSpPr>
+      <p:grpSpPr>
+        <a:xfrm>
+          <a:off x="0" y="0"/>
+          <a:ext cx="0" cy="0"/>
+          <a:chOff x="0" y="0"/>
+          <a:chExt cx="0" cy="0"/>
+        </a:xfrm>
+      </p:grpSpPr>
+      <p:sp>
+        <p:nvSpPr>
+          <p:cNvPr id="7" name="Title 6"/>
+          <p:cNvSpPr>
+            <a:spLocks noGrp="1"/>
+          </p:cNvSpPr>
+          <p:nvPr>
+            <p:ph type="title"/>
+          </p:nvPr>
+        </p:nvSpPr>
+        <p:spPr/>
+        <p:txBody>
+          <a:bodyPr>
+            <a:normAutofit fontScale="90000"/>
+          </a:bodyPr>
+          <a:lstStyle/>
+          <a:p>
+            <a:r>
+              <a:rPr lang="en-US" dirty="0" smtClean="0"/>
+              <a:t>Internal Memory Application Statistics</a:t>
+            </a:r>
+            <a:br>
+              <a:rPr lang="en-US" dirty="0" smtClean="0"/>
+            </a:br>
+            <a:r>
+              <a:rPr lang="en-US" sz="2000" dirty="0" smtClean="0"/>
+              <a:t>2M Flattened Applications</a:t>
+            </a:r>
+            <a:endParaRPr lang="en-US" sz="2000" dirty="0"/>
+          </a:p>
+        </p:txBody>
+      </p:sp>
+      <p:sp>
+        <p:nvSpPr>
+          <p:cNvPr id="10" name="Title 6"/>
+          <p:cNvSpPr txBox="1">
+            <a:spLocks/>
+          </p:cNvSpPr>
+          <p:nvPr/>
+        </p:nvSpPr>
+        <p:spPr>
+          <a:xfrm>
+            <a:off x="457200" y="5634036"/>
+            <a:ext cx="8229600" cy="765705"/>
+          </a:xfrm>
+          <a:prstGeom prst="rect">
+            <a:avLst/>
+          </a:prstGeom>
+        </p:spPr>
+        <p:style>
+          <a:lnRef idx="2">
+            <a:schemeClr val="dk1"/>
+          </a:lnRef>
+          <a:fillRef idx="1">
+            <a:schemeClr val="lt1"/>
+          </a:fillRef>
+          <a:effectRef idx="0">
+            <a:schemeClr val="dk1"/>
+          </a:effectRef>
+          <a:fontRef idx="minor">
+            <a:schemeClr val="dk1"/>
+          </a:fontRef>
+        </p:style>
+        <p:txBody>
+          <a:bodyPr vert="horz" lIns="91440" tIns="45720" rIns="91440" bIns="45720" rtlCol="0" anchor="ctr">
+            <a:normAutofit fontScale="85000" lnSpcReduction="10000"/>
+          </a:bodyPr>
+          <a:lstStyle>
+            <a:lvl1pPr algn="ctr" defTabSz="457200" rtl="0" eaLnBrk="1" latinLnBrk="0" hangingPunct="1">
+              <a:spcBef>
+                <a:spcPct val="0"/>
+              </a:spcBef>
+              <a:buNone/>
+              <a:defRPr sz="4400" kern="1200">
+                <a:solidFill>
+                  <a:schemeClr val="tx1"/>
+                </a:solidFill>
+                <a:latin typeface="+mj-lt"/>
+                <a:ea typeface="+mj-ea"/>
+                <a:cs typeface="+mj-cs"/>
+              </a:defRPr>
+            </a:lvl1pPr>
+          </a:lstStyle>
+          <a:p>
+            <a:pPr algn="l"/>
+            <a:r>
+              <a:rPr lang="en-US" sz="2000" dirty="0" smtClean="0"/>
+              <a:t>In the cache-performance dimension, the code size increases significantly outweigh performance gains from exposing parallelism: average increase in ECC of </a:t>
+            </a:r>
+            <a:r>
+              <a:rPr lang="en-US" sz="2000" dirty="0" smtClean="0"/>
+              <a:t>2.3x</a:t>
+            </a:r>
+            <a:endParaRPr lang="en-US" sz="2000" dirty="0" smtClean="0"/>
           </a:p>
         </p:txBody>
       </p:sp>
@@ -4707,14 +5706,14 @@
             <p:ph idx="1"/>
             <p:extLst>
               <p:ext uri="{D42A27DB-BD31-4B8C-83A1-F6EECF244321}">
-                <p14:modId xmlns:p14="http://schemas.microsoft.com/office/powerpoint/2010/main" val="2461271063"/>
+                <p14:modId xmlns:p14="http://schemas.microsoft.com/office/powerpoint/2010/main" val="188478120"/>
               </p:ext>
             </p:extLst>
           </p:nvPr>
         </p:nvGraphicFramePr>
         <p:xfrm>
-          <a:off x="457200" y="1293283"/>
-          <a:ext cx="8229600" cy="4525963"/>
+          <a:off x="457200" y="1600201"/>
+          <a:ext cx="8229600" cy="4033836"/>
         </p:xfrm>
         <a:graphic>
           <a:graphicData uri="http://schemas.openxmlformats.org/drawingml/2006/chart">
@@ -4726,6 +5725,1235 @@
     <p:extLst>
       <p:ext uri="{BB962C8B-B14F-4D97-AF65-F5344CB8AC3E}">
         <p14:creationId xmlns:p14="http://schemas.microsoft.com/office/powerpoint/2010/main" val="1007003616"/>
+      </p:ext>
+    </p:extLst>
+  </p:cSld>
+  <p:clrMapOvr>
+    <a:masterClrMapping/>
+  </p:clrMapOvr>
+</p:sld>
+</file>
+
+<file path=ppt/slides/slide14.xml><?xml version="1.0" encoding="utf-8"?>
+<p:sld xmlns:a="http://schemas.openxmlformats.org/drawingml/2006/main" xmlns:r="http://schemas.openxmlformats.org/officeDocument/2006/relationships" xmlns:p="http://schemas.openxmlformats.org/presentationml/2006/main">
+  <p:cSld>
+    <p:spTree>
+      <p:nvGrpSpPr>
+        <p:cNvPr id="1" name=""/>
+        <p:cNvGrpSpPr/>
+        <p:nvPr/>
+      </p:nvGrpSpPr>
+      <p:grpSpPr>
+        <a:xfrm>
+          <a:off x="0" y="0"/>
+          <a:ext cx="0" cy="0"/>
+          <a:chOff x="0" y="0"/>
+          <a:chExt cx="0" cy="0"/>
+        </a:xfrm>
+      </p:grpSpPr>
+      <p:sp>
+        <p:nvSpPr>
+          <p:cNvPr id="7" name="Title 6"/>
+          <p:cNvSpPr>
+            <a:spLocks noGrp="1"/>
+          </p:cNvSpPr>
+          <p:nvPr>
+            <p:ph type="title"/>
+          </p:nvPr>
+        </p:nvSpPr>
+        <p:spPr/>
+        <p:txBody>
+          <a:bodyPr>
+            <a:normAutofit fontScale="90000"/>
+          </a:bodyPr>
+          <a:lstStyle/>
+          <a:p>
+            <a:r>
+              <a:rPr lang="en-US" dirty="0" smtClean="0"/>
+              <a:t>Internal Memory Application Statistics</a:t>
+            </a:r>
+            <a:br>
+              <a:rPr lang="en-US" dirty="0" smtClean="0"/>
+            </a:br>
+            <a:r>
+              <a:rPr lang="en-US" sz="2000" dirty="0" smtClean="0"/>
+              <a:t>25M Flattened Applications</a:t>
+            </a:r>
+            <a:endParaRPr lang="en-US" sz="2000" dirty="0"/>
+          </a:p>
+        </p:txBody>
+      </p:sp>
+      <p:sp>
+        <p:nvSpPr>
+          <p:cNvPr id="10" name="Title 6"/>
+          <p:cNvSpPr txBox="1">
+            <a:spLocks/>
+          </p:cNvSpPr>
+          <p:nvPr/>
+        </p:nvSpPr>
+        <p:spPr>
+          <a:xfrm>
+            <a:off x="457200" y="5634036"/>
+            <a:ext cx="8229600" cy="765705"/>
+          </a:xfrm>
+          <a:prstGeom prst="rect">
+            <a:avLst/>
+          </a:prstGeom>
+        </p:spPr>
+        <p:style>
+          <a:lnRef idx="2">
+            <a:schemeClr val="dk1"/>
+          </a:lnRef>
+          <a:fillRef idx="1">
+            <a:schemeClr val="lt1"/>
+          </a:fillRef>
+          <a:effectRef idx="0">
+            <a:schemeClr val="dk1"/>
+          </a:effectRef>
+          <a:fontRef idx="minor">
+            <a:schemeClr val="dk1"/>
+          </a:fontRef>
+        </p:style>
+        <p:txBody>
+          <a:bodyPr vert="horz" lIns="91440" tIns="45720" rIns="91440" bIns="45720" rtlCol="0" anchor="ctr">
+            <a:normAutofit/>
+          </a:bodyPr>
+          <a:lstStyle>
+            <a:lvl1pPr algn="ctr" defTabSz="457200" rtl="0" eaLnBrk="1" latinLnBrk="0" hangingPunct="1">
+              <a:spcBef>
+                <a:spcPct val="0"/>
+              </a:spcBef>
+              <a:buNone/>
+              <a:defRPr sz="4400" kern="1200">
+                <a:solidFill>
+                  <a:schemeClr val="tx1"/>
+                </a:solidFill>
+                <a:latin typeface="+mj-lt"/>
+                <a:ea typeface="+mj-ea"/>
+                <a:cs typeface="+mj-cs"/>
+              </a:defRPr>
+            </a:lvl1pPr>
+          </a:lstStyle>
+          <a:p>
+            <a:pPr algn="l"/>
+            <a:r>
+              <a:rPr lang="en-US" sz="2000" dirty="0" smtClean="0"/>
+              <a:t>25M flattening is full flattening for most applications (excluding BWT). The changes are small from 2M flattening, average 1.1x increase in ECC cycles.</a:t>
+            </a:r>
+            <a:endParaRPr lang="en-US" sz="2000" dirty="0" smtClean="0"/>
+          </a:p>
+        </p:txBody>
+      </p:sp>
+      <p:graphicFrame>
+        <p:nvGraphicFramePr>
+          <p:cNvPr id="6" name="Content Placeholder 5"/>
+          <p:cNvGraphicFramePr>
+            <a:graphicFrameLocks noGrp="1"/>
+          </p:cNvGraphicFramePr>
+          <p:nvPr>
+            <p:ph idx="1"/>
+            <p:extLst>
+              <p:ext uri="{D42A27DB-BD31-4B8C-83A1-F6EECF244321}">
+                <p14:modId xmlns:p14="http://schemas.microsoft.com/office/powerpoint/2010/main" val="4051241365"/>
+              </p:ext>
+            </p:extLst>
+          </p:nvPr>
+        </p:nvGraphicFramePr>
+        <p:xfrm>
+          <a:off x="457200" y="1600201"/>
+          <a:ext cx="8229600" cy="4033836"/>
+        </p:xfrm>
+        <a:graphic>
+          <a:graphicData uri="http://schemas.openxmlformats.org/drawingml/2006/chart">
+            <c:chart xmlns:c="http://schemas.openxmlformats.org/drawingml/2006/chart" xmlns:r="http://schemas.openxmlformats.org/officeDocument/2006/relationships" r:id="rId2"/>
+          </a:graphicData>
+        </a:graphic>
+      </p:graphicFrame>
+    </p:spTree>
+    <p:extLst>
+      <p:ext uri="{BB962C8B-B14F-4D97-AF65-F5344CB8AC3E}">
+        <p14:creationId xmlns:p14="http://schemas.microsoft.com/office/powerpoint/2010/main" val="2082003315"/>
+      </p:ext>
+    </p:extLst>
+  </p:cSld>
+  <p:clrMapOvr>
+    <a:masterClrMapping/>
+  </p:clrMapOvr>
+</p:sld>
+</file>
+
+<file path=ppt/slides/slide15.xml><?xml version="1.0" encoding="utf-8"?>
+<p:sld xmlns:a="http://schemas.openxmlformats.org/drawingml/2006/main" xmlns:r="http://schemas.openxmlformats.org/officeDocument/2006/relationships" xmlns:p="http://schemas.openxmlformats.org/presentationml/2006/main">
+  <p:cSld>
+    <p:spTree>
+      <p:nvGrpSpPr>
+        <p:cNvPr id="1" name=""/>
+        <p:cNvGrpSpPr/>
+        <p:nvPr/>
+      </p:nvGrpSpPr>
+      <p:grpSpPr>
+        <a:xfrm>
+          <a:off x="0" y="0"/>
+          <a:ext cx="0" cy="0"/>
+          <a:chOff x="0" y="0"/>
+          <a:chExt cx="0" cy="0"/>
+        </a:xfrm>
+      </p:grpSpPr>
+      <p:sp>
+        <p:nvSpPr>
+          <p:cNvPr id="2" name="Title 1"/>
+          <p:cNvSpPr>
+            <a:spLocks noGrp="1"/>
+          </p:cNvSpPr>
+          <p:nvPr>
+            <p:ph type="title"/>
+          </p:nvPr>
+        </p:nvSpPr>
+        <p:spPr/>
+        <p:txBody>
+          <a:bodyPr/>
+          <a:lstStyle/>
+          <a:p>
+            <a:r>
+              <a:rPr lang="en-US" dirty="0" smtClean="0"/>
+              <a:t>Power Dissipation</a:t>
+            </a:r>
+            <a:endParaRPr lang="en-US" dirty="0"/>
+          </a:p>
+        </p:txBody>
+      </p:sp>
+      <p:sp>
+        <p:nvSpPr>
+          <p:cNvPr id="4" name="Text Placeholder 3"/>
+          <p:cNvSpPr>
+            <a:spLocks noGrp="1"/>
+          </p:cNvSpPr>
+          <p:nvPr>
+            <p:ph type="body" idx="1"/>
+          </p:nvPr>
+        </p:nvSpPr>
+        <p:spPr/>
+        <p:txBody>
+          <a:bodyPr>
+            <a:normAutofit fontScale="92500" lnSpcReduction="20000"/>
+          </a:bodyPr>
+          <a:lstStyle/>
+          <a:p>
+            <a:r>
+              <a:rPr lang="en-US" dirty="0" smtClean="0"/>
+              <a:t>No Internal Memory: Measured FPGA</a:t>
+            </a:r>
+            <a:endParaRPr lang="en-US" dirty="0"/>
+          </a:p>
+        </p:txBody>
+      </p:sp>
+      <p:graphicFrame>
+        <p:nvGraphicFramePr>
+          <p:cNvPr id="8" name="Content Placeholder 7"/>
+          <p:cNvGraphicFramePr>
+            <a:graphicFrameLocks noGrp="1"/>
+          </p:cNvGraphicFramePr>
+          <p:nvPr>
+            <p:ph sz="half" idx="2"/>
+            <p:extLst>
+              <p:ext uri="{D42A27DB-BD31-4B8C-83A1-F6EECF244321}">
+                <p14:modId xmlns:p14="http://schemas.microsoft.com/office/powerpoint/2010/main" val="3192432286"/>
+              </p:ext>
+            </p:extLst>
+          </p:nvPr>
+        </p:nvGraphicFramePr>
+        <p:xfrm>
+          <a:off x="457200" y="2174875"/>
+          <a:ext cx="4040188" cy="1483360"/>
+        </p:xfrm>
+        <a:graphic>
+          <a:graphicData uri="http://schemas.openxmlformats.org/drawingml/2006/table">
+            <a:tbl>
+              <a:tblPr firstRow="1" bandRow="1">
+                <a:tableStyleId>{5C22544A-7EE6-4342-B048-85BDC9FD1C3A}</a:tableStyleId>
+              </a:tblPr>
+              <a:tblGrid>
+                <a:gridCol w="1920246"/>
+                <a:gridCol w="2119942"/>
+              </a:tblGrid>
+              <a:tr h="370840">
+                <a:tc>
+                  <a:txBody>
+                    <a:bodyPr/>
+                    <a:lstStyle/>
+                    <a:p>
+                      <a:r>
+                        <a:rPr lang="en-US" sz="1600" dirty="0" smtClean="0"/>
+                        <a:t>Temp</a:t>
+                      </a:r>
+                      <a:r>
+                        <a:rPr lang="en-US" sz="1600" baseline="0" dirty="0" smtClean="0"/>
+                        <a:t> (K)</a:t>
+                      </a:r>
+                      <a:endParaRPr lang="en-US" sz="1600" dirty="0"/>
+                    </a:p>
+                  </a:txBody>
+                  <a:tcPr/>
+                </a:tc>
+                <a:tc>
+                  <a:txBody>
+                    <a:bodyPr/>
+                    <a:lstStyle/>
+                    <a:p>
+                      <a:r>
+                        <a:rPr lang="en-US" sz="1600" dirty="0" smtClean="0"/>
+                        <a:t>Idle Power (</a:t>
+                      </a:r>
+                      <a:r>
+                        <a:rPr lang="en-US" sz="1600" dirty="0" err="1" smtClean="0"/>
+                        <a:t>mW</a:t>
+                      </a:r>
+                      <a:r>
+                        <a:rPr lang="en-US" sz="1600" dirty="0" smtClean="0"/>
+                        <a:t>)</a:t>
+                      </a:r>
+                      <a:endParaRPr lang="en-US" sz="1600" dirty="0"/>
+                    </a:p>
+                  </a:txBody>
+                  <a:tcPr/>
+                </a:tc>
+              </a:tr>
+              <a:tr h="370840">
+                <a:tc>
+                  <a:txBody>
+                    <a:bodyPr/>
+                    <a:lstStyle/>
+                    <a:p>
+                      <a:r>
+                        <a:rPr lang="en-US" sz="1600" dirty="0" smtClean="0"/>
+                        <a:t>300</a:t>
+                      </a:r>
+                      <a:endParaRPr lang="en-US" sz="1600" dirty="0"/>
+                    </a:p>
+                  </a:txBody>
+                  <a:tcPr/>
+                </a:tc>
+                <a:tc>
+                  <a:txBody>
+                    <a:bodyPr/>
+                    <a:lstStyle/>
+                    <a:p>
+                      <a:r>
+                        <a:rPr lang="en-US" sz="1600" dirty="0" smtClean="0"/>
+                        <a:t>83</a:t>
+                      </a:r>
+                      <a:endParaRPr lang="en-US" sz="1600" dirty="0"/>
+                    </a:p>
+                  </a:txBody>
+                  <a:tcPr/>
+                </a:tc>
+              </a:tr>
+              <a:tr h="370840">
+                <a:tc>
+                  <a:txBody>
+                    <a:bodyPr/>
+                    <a:lstStyle/>
+                    <a:p>
+                      <a:r>
+                        <a:rPr lang="en-US" sz="1600" dirty="0" smtClean="0"/>
+                        <a:t>40</a:t>
+                      </a:r>
+                      <a:endParaRPr lang="en-US" sz="1600" dirty="0"/>
+                    </a:p>
+                  </a:txBody>
+                  <a:tcPr/>
+                </a:tc>
+                <a:tc>
+                  <a:txBody>
+                    <a:bodyPr/>
+                    <a:lstStyle/>
+                    <a:p>
+                      <a:r>
+                        <a:rPr lang="en-US" sz="1600" dirty="0" smtClean="0"/>
+                        <a:t>153</a:t>
+                      </a:r>
+                      <a:endParaRPr lang="en-US" sz="1600" dirty="0"/>
+                    </a:p>
+                  </a:txBody>
+                  <a:tcPr/>
+                </a:tc>
+              </a:tr>
+              <a:tr h="370840">
+                <a:tc>
+                  <a:txBody>
+                    <a:bodyPr/>
+                    <a:lstStyle/>
+                    <a:p>
+                      <a:r>
+                        <a:rPr lang="en-US" sz="1600" dirty="0" smtClean="0"/>
+                        <a:t>4</a:t>
+                      </a:r>
+                      <a:endParaRPr lang="en-US" sz="1600" dirty="0"/>
+                    </a:p>
+                  </a:txBody>
+                  <a:tcPr/>
+                </a:tc>
+                <a:tc>
+                  <a:txBody>
+                    <a:bodyPr/>
+                    <a:lstStyle/>
+                    <a:p>
+                      <a:r>
+                        <a:rPr lang="en-US" sz="1600" dirty="0" smtClean="0"/>
+                        <a:t>228</a:t>
+                      </a:r>
+                      <a:endParaRPr lang="en-US" sz="1600" dirty="0"/>
+                    </a:p>
+                  </a:txBody>
+                  <a:tcPr/>
+                </a:tc>
+              </a:tr>
+            </a:tbl>
+          </a:graphicData>
+        </a:graphic>
+      </p:graphicFrame>
+      <p:sp>
+        <p:nvSpPr>
+          <p:cNvPr id="6" name="Text Placeholder 5"/>
+          <p:cNvSpPr>
+            <a:spLocks noGrp="1"/>
+          </p:cNvSpPr>
+          <p:nvPr>
+            <p:ph type="body" sz="quarter" idx="3"/>
+          </p:nvPr>
+        </p:nvSpPr>
+        <p:spPr>
+          <a:xfrm>
+            <a:off x="4645023" y="1291696"/>
+            <a:ext cx="4041775" cy="639762"/>
+          </a:xfrm>
+        </p:spPr>
+        <p:txBody>
+          <a:bodyPr/>
+          <a:lstStyle/>
+          <a:p>
+            <a:r>
+              <a:rPr lang="en-US" dirty="0" smtClean="0"/>
+              <a:t>Internal Memory</a:t>
+            </a:r>
+            <a:endParaRPr lang="en-US" dirty="0"/>
+          </a:p>
+        </p:txBody>
+      </p:sp>
+      <p:sp>
+        <p:nvSpPr>
+          <p:cNvPr id="7" name="Content Placeholder 6"/>
+          <p:cNvSpPr>
+            <a:spLocks noGrp="1"/>
+          </p:cNvSpPr>
+          <p:nvPr>
+            <p:ph sz="quarter" idx="4"/>
+          </p:nvPr>
+        </p:nvSpPr>
+        <p:spPr>
+          <a:xfrm>
+            <a:off x="4645025" y="1931458"/>
+            <a:ext cx="4041775" cy="3951288"/>
+          </a:xfrm>
+        </p:spPr>
+        <p:txBody>
+          <a:bodyPr/>
+          <a:lstStyle/>
+          <a:p>
+            <a:r>
+              <a:rPr lang="en-US" dirty="0" smtClean="0"/>
+              <a:t>2.6 </a:t>
+            </a:r>
+            <a:r>
+              <a:rPr lang="en-US" dirty="0" err="1" smtClean="0"/>
+              <a:t>mW</a:t>
+            </a:r>
+            <a:r>
+              <a:rPr lang="en-US" dirty="0"/>
+              <a:t> </a:t>
+            </a:r>
+            <a:r>
+              <a:rPr lang="en-US" dirty="0" smtClean="0"/>
+              <a:t>measured</a:t>
+            </a:r>
+          </a:p>
+          <a:p>
+            <a:pPr lvl="1"/>
+            <a:r>
+              <a:rPr lang="en-US" dirty="0" smtClean="0"/>
+              <a:t>Access time : 1 cycle</a:t>
+            </a:r>
+          </a:p>
+          <a:p>
+            <a:pPr lvl="1"/>
+            <a:r>
+              <a:rPr lang="en-US" dirty="0" smtClean="0"/>
+              <a:t>3.72 </a:t>
+            </a:r>
+            <a:r>
+              <a:rPr lang="en-US" dirty="0" err="1" smtClean="0"/>
+              <a:t>nJ</a:t>
+            </a:r>
+            <a:r>
+              <a:rPr lang="en-US" dirty="0"/>
+              <a:t> </a:t>
+            </a:r>
+            <a:r>
+              <a:rPr lang="en-US" dirty="0" smtClean="0"/>
+              <a:t>/ access cycle (*)</a:t>
+            </a:r>
+          </a:p>
+          <a:p>
+            <a:pPr lvl="1"/>
+            <a:r>
+              <a:rPr lang="en-US" dirty="0" smtClean="0"/>
+              <a:t>4K power capacity: 1.5 W</a:t>
+            </a:r>
+          </a:p>
+          <a:p>
+            <a:pPr marL="0" indent="0">
+              <a:buNone/>
+            </a:pPr>
+            <a:endParaRPr lang="en-US" dirty="0"/>
+          </a:p>
+        </p:txBody>
+      </p:sp>
+      <p:sp>
+        <p:nvSpPr>
+          <p:cNvPr id="9" name="Text Placeholder 5"/>
+          <p:cNvSpPr txBox="1">
+            <a:spLocks/>
+          </p:cNvSpPr>
+          <p:nvPr/>
+        </p:nvSpPr>
+        <p:spPr>
+          <a:xfrm>
+            <a:off x="455613" y="3937874"/>
+            <a:ext cx="4041775" cy="330891"/>
+          </a:xfrm>
+          <a:prstGeom prst="rect">
+            <a:avLst/>
+          </a:prstGeom>
+        </p:spPr>
+        <p:txBody>
+          <a:bodyPr vert="horz" lIns="91440" tIns="45720" rIns="91440" bIns="45720" rtlCol="0" anchor="b">
+            <a:noAutofit/>
+          </a:bodyPr>
+          <a:lstStyle>
+            <a:lvl1pPr marL="0" indent="0" algn="l" defTabSz="457200" rtl="0" eaLnBrk="1" latinLnBrk="0" hangingPunct="1">
+              <a:spcBef>
+                <a:spcPct val="20000"/>
+              </a:spcBef>
+              <a:buFont typeface="Arial"/>
+              <a:buNone/>
+              <a:defRPr sz="2400" b="1" kern="1200">
+                <a:solidFill>
+                  <a:schemeClr val="tx1"/>
+                </a:solidFill>
+                <a:latin typeface="+mn-lt"/>
+                <a:ea typeface="+mn-ea"/>
+                <a:cs typeface="+mn-cs"/>
+              </a:defRPr>
+            </a:lvl1pPr>
+            <a:lvl2pPr marL="457200" indent="0" algn="l" defTabSz="457200" rtl="0" eaLnBrk="1" latinLnBrk="0" hangingPunct="1">
+              <a:spcBef>
+                <a:spcPct val="20000"/>
+              </a:spcBef>
+              <a:buFont typeface="Arial"/>
+              <a:buNone/>
+              <a:defRPr sz="2000" b="1" kern="1200">
+                <a:solidFill>
+                  <a:schemeClr val="tx1"/>
+                </a:solidFill>
+                <a:latin typeface="+mn-lt"/>
+                <a:ea typeface="+mn-ea"/>
+                <a:cs typeface="+mn-cs"/>
+              </a:defRPr>
+            </a:lvl2pPr>
+            <a:lvl3pPr marL="914400" indent="0" algn="l" defTabSz="457200" rtl="0" eaLnBrk="1" latinLnBrk="0" hangingPunct="1">
+              <a:spcBef>
+                <a:spcPct val="20000"/>
+              </a:spcBef>
+              <a:buFont typeface="Arial"/>
+              <a:buNone/>
+              <a:defRPr sz="1800" b="1" kern="1200">
+                <a:solidFill>
+                  <a:schemeClr val="tx1"/>
+                </a:solidFill>
+                <a:latin typeface="+mn-lt"/>
+                <a:ea typeface="+mn-ea"/>
+                <a:cs typeface="+mn-cs"/>
+              </a:defRPr>
+            </a:lvl3pPr>
+            <a:lvl4pPr marL="1371600" indent="0" algn="l" defTabSz="457200" rtl="0" eaLnBrk="1" latinLnBrk="0" hangingPunct="1">
+              <a:spcBef>
+                <a:spcPct val="20000"/>
+              </a:spcBef>
+              <a:buFont typeface="Arial"/>
+              <a:buNone/>
+              <a:defRPr sz="1600" b="1" kern="1200">
+                <a:solidFill>
+                  <a:schemeClr val="tx1"/>
+                </a:solidFill>
+                <a:latin typeface="+mn-lt"/>
+                <a:ea typeface="+mn-ea"/>
+                <a:cs typeface="+mn-cs"/>
+              </a:defRPr>
+            </a:lvl4pPr>
+            <a:lvl5pPr marL="1828800" indent="0" algn="l" defTabSz="457200" rtl="0" eaLnBrk="1" latinLnBrk="0" hangingPunct="1">
+              <a:spcBef>
+                <a:spcPct val="20000"/>
+              </a:spcBef>
+              <a:buFont typeface="Arial"/>
+              <a:buNone/>
+              <a:defRPr sz="1600" b="1" kern="1200">
+                <a:solidFill>
+                  <a:schemeClr val="tx1"/>
+                </a:solidFill>
+                <a:latin typeface="+mn-lt"/>
+                <a:ea typeface="+mn-ea"/>
+                <a:cs typeface="+mn-cs"/>
+              </a:defRPr>
+            </a:lvl5pPr>
+            <a:lvl6pPr marL="2286000" indent="0" algn="l" defTabSz="457200" rtl="0" eaLnBrk="1" latinLnBrk="0" hangingPunct="1">
+              <a:spcBef>
+                <a:spcPct val="20000"/>
+              </a:spcBef>
+              <a:buFont typeface="Arial"/>
+              <a:buNone/>
+              <a:defRPr sz="1600" b="1" kern="1200">
+                <a:solidFill>
+                  <a:schemeClr val="tx1"/>
+                </a:solidFill>
+                <a:latin typeface="+mn-lt"/>
+                <a:ea typeface="+mn-ea"/>
+                <a:cs typeface="+mn-cs"/>
+              </a:defRPr>
+            </a:lvl6pPr>
+            <a:lvl7pPr marL="2743200" indent="0" algn="l" defTabSz="457200" rtl="0" eaLnBrk="1" latinLnBrk="0" hangingPunct="1">
+              <a:spcBef>
+                <a:spcPct val="20000"/>
+              </a:spcBef>
+              <a:buFont typeface="Arial"/>
+              <a:buNone/>
+              <a:defRPr sz="1600" b="1" kern="1200">
+                <a:solidFill>
+                  <a:schemeClr val="tx1"/>
+                </a:solidFill>
+                <a:latin typeface="+mn-lt"/>
+                <a:ea typeface="+mn-ea"/>
+                <a:cs typeface="+mn-cs"/>
+              </a:defRPr>
+            </a:lvl7pPr>
+            <a:lvl8pPr marL="3200400" indent="0" algn="l" defTabSz="457200" rtl="0" eaLnBrk="1" latinLnBrk="0" hangingPunct="1">
+              <a:spcBef>
+                <a:spcPct val="20000"/>
+              </a:spcBef>
+              <a:buFont typeface="Arial"/>
+              <a:buNone/>
+              <a:defRPr sz="1600" b="1" kern="1200">
+                <a:solidFill>
+                  <a:schemeClr val="tx1"/>
+                </a:solidFill>
+                <a:latin typeface="+mn-lt"/>
+                <a:ea typeface="+mn-ea"/>
+                <a:cs typeface="+mn-cs"/>
+              </a:defRPr>
+            </a:lvl8pPr>
+            <a:lvl9pPr marL="3657600" indent="0" algn="l" defTabSz="457200" rtl="0" eaLnBrk="1" latinLnBrk="0" hangingPunct="1">
+              <a:spcBef>
+                <a:spcPct val="20000"/>
+              </a:spcBef>
+              <a:buFont typeface="Arial"/>
+              <a:buNone/>
+              <a:defRPr sz="1600" b="1" kern="1200">
+                <a:solidFill>
+                  <a:schemeClr val="tx1"/>
+                </a:solidFill>
+                <a:latin typeface="+mn-lt"/>
+                <a:ea typeface="+mn-ea"/>
+                <a:cs typeface="+mn-cs"/>
+              </a:defRPr>
+            </a:lvl9pPr>
+          </a:lstStyle>
+          <a:p>
+            <a:r>
+              <a:rPr lang="en-US" sz="2200" dirty="0" smtClean="0"/>
+              <a:t>Logic Operations</a:t>
+            </a:r>
+            <a:endParaRPr lang="en-US" sz="2200" dirty="0"/>
+          </a:p>
+        </p:txBody>
+      </p:sp>
+      <p:sp>
+        <p:nvSpPr>
+          <p:cNvPr id="10" name="Content Placeholder 6"/>
+          <p:cNvSpPr txBox="1">
+            <a:spLocks/>
+          </p:cNvSpPr>
+          <p:nvPr/>
+        </p:nvSpPr>
+        <p:spPr>
+          <a:xfrm>
+            <a:off x="455613" y="4268765"/>
+            <a:ext cx="4041775" cy="2043642"/>
+          </a:xfrm>
+          <a:prstGeom prst="rect">
+            <a:avLst/>
+          </a:prstGeom>
+        </p:spPr>
+        <p:txBody>
+          <a:bodyPr vert="horz" lIns="91440" tIns="45720" rIns="91440" bIns="45720" rtlCol="0">
+            <a:normAutofit/>
+          </a:bodyPr>
+          <a:lstStyle>
+            <a:lvl1pPr marL="342900" indent="-342900" algn="l" defTabSz="457200" rtl="0" eaLnBrk="1" latinLnBrk="0" hangingPunct="1">
+              <a:spcBef>
+                <a:spcPct val="20000"/>
+              </a:spcBef>
+              <a:buFont typeface="Arial"/>
+              <a:buChar char="•"/>
+              <a:defRPr sz="2400" kern="1200">
+                <a:solidFill>
+                  <a:schemeClr val="tx1"/>
+                </a:solidFill>
+                <a:latin typeface="+mn-lt"/>
+                <a:ea typeface="+mn-ea"/>
+                <a:cs typeface="+mn-cs"/>
+              </a:defRPr>
+            </a:lvl1pPr>
+            <a:lvl2pPr marL="742950" indent="-285750" algn="l" defTabSz="457200" rtl="0" eaLnBrk="1" latinLnBrk="0" hangingPunct="1">
+              <a:spcBef>
+                <a:spcPct val="20000"/>
+              </a:spcBef>
+              <a:buFont typeface="Arial"/>
+              <a:buChar char="–"/>
+              <a:defRPr sz="2000" kern="1200">
+                <a:solidFill>
+                  <a:schemeClr val="tx1"/>
+                </a:solidFill>
+                <a:latin typeface="+mn-lt"/>
+                <a:ea typeface="+mn-ea"/>
+                <a:cs typeface="+mn-cs"/>
+              </a:defRPr>
+            </a:lvl2pPr>
+            <a:lvl3pPr marL="1143000" indent="-228600" algn="l" defTabSz="457200" rtl="0" eaLnBrk="1" latinLnBrk="0" hangingPunct="1">
+              <a:spcBef>
+                <a:spcPct val="20000"/>
+              </a:spcBef>
+              <a:buFont typeface="Arial"/>
+              <a:buChar char="•"/>
+              <a:defRPr sz="1800" kern="1200">
+                <a:solidFill>
+                  <a:schemeClr val="tx1"/>
+                </a:solidFill>
+                <a:latin typeface="+mn-lt"/>
+                <a:ea typeface="+mn-ea"/>
+                <a:cs typeface="+mn-cs"/>
+              </a:defRPr>
+            </a:lvl3pPr>
+            <a:lvl4pPr marL="1600200" indent="-228600" algn="l" defTabSz="457200" rtl="0" eaLnBrk="1" latinLnBrk="0" hangingPunct="1">
+              <a:spcBef>
+                <a:spcPct val="20000"/>
+              </a:spcBef>
+              <a:buFont typeface="Arial"/>
+              <a:buChar char="–"/>
+              <a:defRPr sz="1600" kern="1200">
+                <a:solidFill>
+                  <a:schemeClr val="tx1"/>
+                </a:solidFill>
+                <a:latin typeface="+mn-lt"/>
+                <a:ea typeface="+mn-ea"/>
+                <a:cs typeface="+mn-cs"/>
+              </a:defRPr>
+            </a:lvl4pPr>
+            <a:lvl5pPr marL="2057400" indent="-228600" algn="l" defTabSz="457200" rtl="0" eaLnBrk="1" latinLnBrk="0" hangingPunct="1">
+              <a:spcBef>
+                <a:spcPct val="20000"/>
+              </a:spcBef>
+              <a:buFont typeface="Arial"/>
+              <a:buChar char="»"/>
+              <a:defRPr sz="1600" kern="1200">
+                <a:solidFill>
+                  <a:schemeClr val="tx1"/>
+                </a:solidFill>
+                <a:latin typeface="+mn-lt"/>
+                <a:ea typeface="+mn-ea"/>
+                <a:cs typeface="+mn-cs"/>
+              </a:defRPr>
+            </a:lvl5pPr>
+            <a:lvl6pPr marL="2514600" indent="-228600" algn="l" defTabSz="457200" rtl="0" eaLnBrk="1" latinLnBrk="0" hangingPunct="1">
+              <a:spcBef>
+                <a:spcPct val="20000"/>
+              </a:spcBef>
+              <a:buFont typeface="Arial"/>
+              <a:buChar char="•"/>
+              <a:defRPr sz="1600" kern="1200">
+                <a:solidFill>
+                  <a:schemeClr val="tx1"/>
+                </a:solidFill>
+                <a:latin typeface="+mn-lt"/>
+                <a:ea typeface="+mn-ea"/>
+                <a:cs typeface="+mn-cs"/>
+              </a:defRPr>
+            </a:lvl6pPr>
+            <a:lvl7pPr marL="2971800" indent="-228600" algn="l" defTabSz="457200" rtl="0" eaLnBrk="1" latinLnBrk="0" hangingPunct="1">
+              <a:spcBef>
+                <a:spcPct val="20000"/>
+              </a:spcBef>
+              <a:buFont typeface="Arial"/>
+              <a:buChar char="•"/>
+              <a:defRPr sz="1600" kern="1200">
+                <a:solidFill>
+                  <a:schemeClr val="tx1"/>
+                </a:solidFill>
+                <a:latin typeface="+mn-lt"/>
+                <a:ea typeface="+mn-ea"/>
+                <a:cs typeface="+mn-cs"/>
+              </a:defRPr>
+            </a:lvl7pPr>
+            <a:lvl8pPr marL="3429000" indent="-228600" algn="l" defTabSz="457200" rtl="0" eaLnBrk="1" latinLnBrk="0" hangingPunct="1">
+              <a:spcBef>
+                <a:spcPct val="20000"/>
+              </a:spcBef>
+              <a:buFont typeface="Arial"/>
+              <a:buChar char="•"/>
+              <a:defRPr sz="1600" kern="1200">
+                <a:solidFill>
+                  <a:schemeClr val="tx1"/>
+                </a:solidFill>
+                <a:latin typeface="+mn-lt"/>
+                <a:ea typeface="+mn-ea"/>
+                <a:cs typeface="+mn-cs"/>
+              </a:defRPr>
+            </a:lvl8pPr>
+            <a:lvl9pPr marL="3886200" indent="-228600" algn="l" defTabSz="457200" rtl="0" eaLnBrk="1" latinLnBrk="0" hangingPunct="1">
+              <a:spcBef>
+                <a:spcPct val="20000"/>
+              </a:spcBef>
+              <a:buFont typeface="Arial"/>
+              <a:buChar char="•"/>
+              <a:defRPr sz="1600" kern="1200">
+                <a:solidFill>
+                  <a:schemeClr val="tx1"/>
+                </a:solidFill>
+                <a:latin typeface="+mn-lt"/>
+                <a:ea typeface="+mn-ea"/>
+                <a:cs typeface="+mn-cs"/>
+              </a:defRPr>
+            </a:lvl9pPr>
+          </a:lstStyle>
+          <a:p>
+            <a:r>
+              <a:rPr lang="en-US" dirty="0" smtClean="0"/>
+              <a:t>10</a:t>
+            </a:r>
+            <a:r>
+              <a:rPr lang="en-US" baseline="30000" dirty="0" smtClean="0"/>
+              <a:t>-15 </a:t>
+            </a:r>
+            <a:r>
+              <a:rPr lang="en-US" dirty="0" smtClean="0"/>
+              <a:t>J/logic gate</a:t>
+            </a:r>
+          </a:p>
+          <a:p>
+            <a:r>
+              <a:rPr lang="en-US" dirty="0" smtClean="0"/>
+              <a:t>10</a:t>
+            </a:r>
+            <a:r>
+              <a:rPr lang="en-US" baseline="30000" dirty="0" smtClean="0"/>
+              <a:t>5 </a:t>
+            </a:r>
+            <a:r>
+              <a:rPr lang="en-US" dirty="0" smtClean="0"/>
+              <a:t>gates</a:t>
+            </a:r>
+          </a:p>
+          <a:p>
+            <a:r>
+              <a:rPr lang="en-US" dirty="0" smtClean="0"/>
+              <a:t>700 MHz frequency</a:t>
+            </a:r>
+          </a:p>
+          <a:p>
+            <a:r>
+              <a:rPr lang="en-US" dirty="0" smtClean="0"/>
+              <a:t>=&gt; 70 </a:t>
+            </a:r>
+            <a:r>
+              <a:rPr lang="en-US" dirty="0" err="1" smtClean="0"/>
+              <a:t>mW</a:t>
+            </a:r>
+            <a:r>
+              <a:rPr lang="en-US" dirty="0" smtClean="0"/>
+              <a:t> dynamic power</a:t>
+            </a:r>
+            <a:endParaRPr lang="en-US" dirty="0"/>
+          </a:p>
+        </p:txBody>
+      </p:sp>
+      <p:graphicFrame>
+        <p:nvGraphicFramePr>
+          <p:cNvPr id="11" name="Table 10"/>
+          <p:cNvGraphicFramePr>
+            <a:graphicFrameLocks noGrp="1"/>
+          </p:cNvGraphicFramePr>
+          <p:nvPr>
+            <p:extLst>
+              <p:ext uri="{D42A27DB-BD31-4B8C-83A1-F6EECF244321}">
+                <p14:modId xmlns:p14="http://schemas.microsoft.com/office/powerpoint/2010/main" val="3478535418"/>
+              </p:ext>
+            </p:extLst>
+          </p:nvPr>
+        </p:nvGraphicFramePr>
+        <p:xfrm>
+          <a:off x="4645023" y="3567149"/>
+          <a:ext cx="4041777" cy="899857"/>
+        </p:xfrm>
+        <a:graphic>
+          <a:graphicData uri="http://schemas.openxmlformats.org/drawingml/2006/table">
+            <a:tbl>
+              <a:tblPr firstRow="1" bandRow="1">
+                <a:tableStyleId>{5C22544A-7EE6-4342-B048-85BDC9FD1C3A}</a:tableStyleId>
+              </a:tblPr>
+              <a:tblGrid>
+                <a:gridCol w="1347259"/>
+                <a:gridCol w="1347259"/>
+                <a:gridCol w="1347259"/>
+              </a:tblGrid>
+              <a:tr h="440962">
+                <a:tc>
+                  <a:txBody>
+                    <a:bodyPr/>
+                    <a:lstStyle/>
+                    <a:p>
+                      <a:r>
+                        <a:rPr lang="en-US" sz="1400" dirty="0" smtClean="0"/>
+                        <a:t>Frequency</a:t>
+                      </a:r>
+                      <a:r>
+                        <a:rPr lang="en-US" sz="1400" baseline="0" dirty="0" smtClean="0"/>
+                        <a:t> (MHz)</a:t>
+                      </a:r>
+                      <a:endParaRPr lang="en-US" sz="1400" dirty="0"/>
+                    </a:p>
+                  </a:txBody>
+                  <a:tcPr/>
+                </a:tc>
+                <a:tc>
+                  <a:txBody>
+                    <a:bodyPr/>
+                    <a:lstStyle/>
+                    <a:p>
+                      <a:r>
+                        <a:rPr lang="en-US" sz="1400" dirty="0" smtClean="0"/>
+                        <a:t>Hit</a:t>
+                      </a:r>
+                      <a:r>
+                        <a:rPr lang="en-US" sz="1400" baseline="0" dirty="0" smtClean="0"/>
+                        <a:t> Rate</a:t>
+                      </a:r>
+                      <a:endParaRPr lang="en-US" sz="1400" dirty="0"/>
+                    </a:p>
+                  </a:txBody>
+                  <a:tcPr/>
+                </a:tc>
+                <a:tc>
+                  <a:txBody>
+                    <a:bodyPr/>
+                    <a:lstStyle/>
+                    <a:p>
+                      <a:r>
+                        <a:rPr lang="en-US" sz="1400" dirty="0" smtClean="0"/>
+                        <a:t>Power </a:t>
+                      </a:r>
+                      <a:endParaRPr lang="en-US" sz="1400" dirty="0"/>
+                    </a:p>
+                  </a:txBody>
+                  <a:tcPr/>
+                </a:tc>
+              </a:tr>
+              <a:tr h="381698">
+                <a:tc>
+                  <a:txBody>
+                    <a:bodyPr/>
+                    <a:lstStyle/>
+                    <a:p>
+                      <a:pPr algn="ctr"/>
+                      <a:r>
+                        <a:rPr lang="en-US" sz="1800" dirty="0" smtClean="0"/>
+                        <a:t>700</a:t>
+                      </a:r>
+                      <a:endParaRPr lang="en-US" sz="1800" dirty="0"/>
+                    </a:p>
+                  </a:txBody>
+                  <a:tcPr/>
+                </a:tc>
+                <a:tc>
+                  <a:txBody>
+                    <a:bodyPr/>
+                    <a:lstStyle/>
+                    <a:p>
+                      <a:pPr algn="ctr"/>
+                      <a:r>
+                        <a:rPr lang="en-US" sz="1800" dirty="0" smtClean="0"/>
+                        <a:t>100 %</a:t>
+                      </a:r>
+                      <a:endParaRPr lang="en-US" sz="1800" dirty="0"/>
+                    </a:p>
+                  </a:txBody>
+                  <a:tcPr/>
+                </a:tc>
+                <a:tc>
+                  <a:txBody>
+                    <a:bodyPr/>
+                    <a:lstStyle/>
+                    <a:p>
+                      <a:pPr algn="ctr"/>
+                      <a:r>
+                        <a:rPr lang="en-US" sz="1600" dirty="0" smtClean="0"/>
+                        <a:t>2.6 W</a:t>
+                      </a:r>
+                      <a:endParaRPr lang="en-US" sz="1600" dirty="0"/>
+                    </a:p>
+                  </a:txBody>
+                  <a:tcPr/>
+                </a:tc>
+              </a:tr>
+            </a:tbl>
+          </a:graphicData>
+        </a:graphic>
+      </p:graphicFrame>
+      <p:sp>
+        <p:nvSpPr>
+          <p:cNvPr id="12" name="TextBox 11"/>
+          <p:cNvSpPr txBox="1"/>
+          <p:nvPr/>
+        </p:nvSpPr>
+        <p:spPr>
+          <a:xfrm>
+            <a:off x="4645026" y="4730750"/>
+            <a:ext cx="4041774" cy="923330"/>
+          </a:xfrm>
+          <a:prstGeom prst="rect">
+            <a:avLst/>
+          </a:prstGeom>
+        </p:spPr>
+        <p:style>
+          <a:lnRef idx="2">
+            <a:schemeClr val="dk1"/>
+          </a:lnRef>
+          <a:fillRef idx="1">
+            <a:schemeClr val="lt1"/>
+          </a:fillRef>
+          <a:effectRef idx="0">
+            <a:schemeClr val="dk1"/>
+          </a:effectRef>
+          <a:fontRef idx="minor">
+            <a:schemeClr val="dk1"/>
+          </a:fontRef>
+        </p:style>
+        <p:txBody>
+          <a:bodyPr wrap="square" rtlCol="0">
+            <a:spAutoFit/>
+          </a:bodyPr>
+          <a:lstStyle/>
+          <a:p>
+            <a:r>
+              <a:rPr lang="en-US" dirty="0" smtClean="0"/>
+              <a:t>Power dissipation rate can cause energy budget pressure at target operating frequency</a:t>
+            </a:r>
+            <a:endParaRPr lang="en-US" dirty="0"/>
+          </a:p>
+        </p:txBody>
+      </p:sp>
+      <p:sp>
+        <p:nvSpPr>
+          <p:cNvPr id="13" name="TextBox 12"/>
+          <p:cNvSpPr txBox="1"/>
+          <p:nvPr/>
+        </p:nvSpPr>
+        <p:spPr>
+          <a:xfrm>
+            <a:off x="4751917" y="5989241"/>
+            <a:ext cx="3702050" cy="646331"/>
+          </a:xfrm>
+          <a:prstGeom prst="rect">
+            <a:avLst/>
+          </a:prstGeom>
+          <a:noFill/>
+        </p:spPr>
+        <p:txBody>
+          <a:bodyPr wrap="square" rtlCol="0">
+            <a:spAutoFit/>
+          </a:bodyPr>
+          <a:lstStyle/>
+          <a:p>
+            <a:r>
+              <a:rPr lang="en-US" sz="1200" i="1" dirty="0" smtClean="0"/>
+              <a:t>Van </a:t>
+            </a:r>
+            <a:r>
+              <a:rPr lang="en-US" sz="1200" i="1" dirty="0" err="1" smtClean="0"/>
+              <a:t>Duzer</a:t>
+            </a:r>
+            <a:r>
+              <a:rPr lang="en-US" sz="1200" i="1" dirty="0" smtClean="0"/>
+              <a:t>, Theodore, et al. "64-kb hybrid Josephson-CMOS 4 Kelvin RAM with 400 </a:t>
+            </a:r>
+            <a:r>
+              <a:rPr lang="en-US" sz="1200" i="1" dirty="0" err="1" smtClean="0"/>
+              <a:t>ps</a:t>
+            </a:r>
+            <a:r>
+              <a:rPr lang="en-US" sz="1200" i="1" dirty="0" smtClean="0"/>
+              <a:t> access time and 12 </a:t>
+            </a:r>
+            <a:r>
+              <a:rPr lang="en-US" sz="1200" i="1" dirty="0" err="1" smtClean="0"/>
+              <a:t>mW</a:t>
+            </a:r>
+            <a:r>
+              <a:rPr lang="en-US" sz="1200" i="1" dirty="0" smtClean="0"/>
+              <a:t> read power." IEEE (2013)</a:t>
+            </a:r>
+            <a:endParaRPr lang="en-US" sz="1200" i="1" dirty="0"/>
+          </a:p>
+        </p:txBody>
+      </p:sp>
+      <p:sp>
+        <p:nvSpPr>
+          <p:cNvPr id="14" name="TextBox 13"/>
+          <p:cNvSpPr txBox="1"/>
+          <p:nvPr/>
+        </p:nvSpPr>
+        <p:spPr>
+          <a:xfrm>
+            <a:off x="457200" y="6312407"/>
+            <a:ext cx="4040188" cy="461665"/>
+          </a:xfrm>
+          <a:prstGeom prst="rect">
+            <a:avLst/>
+          </a:prstGeom>
+          <a:noFill/>
+        </p:spPr>
+        <p:txBody>
+          <a:bodyPr wrap="square" rtlCol="0">
+            <a:spAutoFit/>
+          </a:bodyPr>
+          <a:lstStyle/>
+          <a:p>
+            <a:r>
+              <a:rPr lang="en-US" sz="1200" dirty="0" smtClean="0"/>
+              <a:t>* Depends upon measurement method – this could be as high as the full 2.6 </a:t>
+            </a:r>
+            <a:r>
+              <a:rPr lang="en-US" sz="1200" dirty="0" err="1" smtClean="0"/>
+              <a:t>mW</a:t>
+            </a:r>
+            <a:endParaRPr lang="en-US" sz="1200" dirty="0"/>
+          </a:p>
+        </p:txBody>
+      </p:sp>
+    </p:spTree>
+    <p:extLst>
+      <p:ext uri="{BB962C8B-B14F-4D97-AF65-F5344CB8AC3E}">
+        <p14:creationId xmlns:p14="http://schemas.microsoft.com/office/powerpoint/2010/main" val="2143874541"/>
+      </p:ext>
+    </p:extLst>
+  </p:cSld>
+  <p:clrMapOvr>
+    <a:masterClrMapping/>
+  </p:clrMapOvr>
+</p:sld>
+</file>
+
+<file path=ppt/slides/slide16.xml><?xml version="1.0" encoding="utf-8"?>
+<p:sld xmlns:a="http://schemas.openxmlformats.org/drawingml/2006/main" xmlns:r="http://schemas.openxmlformats.org/officeDocument/2006/relationships" xmlns:p="http://schemas.openxmlformats.org/presentationml/2006/main">
+  <p:cSld>
+    <p:spTree>
+      <p:nvGrpSpPr>
+        <p:cNvPr id="1" name=""/>
+        <p:cNvGrpSpPr/>
+        <p:nvPr/>
+      </p:nvGrpSpPr>
+      <p:grpSpPr>
+        <a:xfrm>
+          <a:off x="0" y="0"/>
+          <a:ext cx="0" cy="0"/>
+          <a:chOff x="0" y="0"/>
+          <a:chExt cx="0" cy="0"/>
+        </a:xfrm>
+      </p:grpSpPr>
+      <p:sp>
+        <p:nvSpPr>
+          <p:cNvPr id="7" name="Title 6"/>
+          <p:cNvSpPr>
+            <a:spLocks noGrp="1"/>
+          </p:cNvSpPr>
+          <p:nvPr>
+            <p:ph type="title"/>
+          </p:nvPr>
+        </p:nvSpPr>
+        <p:spPr/>
+        <p:txBody>
+          <a:bodyPr/>
+          <a:lstStyle/>
+          <a:p>
+            <a:r>
+              <a:rPr lang="en-US" dirty="0" smtClean="0"/>
+              <a:t>Next Steps</a:t>
+            </a:r>
+            <a:endParaRPr lang="en-US" dirty="0"/>
+          </a:p>
+        </p:txBody>
+      </p:sp>
+      <p:sp>
+        <p:nvSpPr>
+          <p:cNvPr id="8" name="Content Placeholder 7"/>
+          <p:cNvSpPr>
+            <a:spLocks noGrp="1"/>
+          </p:cNvSpPr>
+          <p:nvPr>
+            <p:ph idx="1"/>
+          </p:nvPr>
+        </p:nvSpPr>
+        <p:spPr/>
+        <p:txBody>
+          <a:bodyPr/>
+          <a:lstStyle/>
+          <a:p>
+            <a:r>
+              <a:rPr lang="en-US" dirty="0" smtClean="0"/>
+              <a:t>SIMD Instructions: need formatting</a:t>
+            </a:r>
+          </a:p>
+          <a:p>
+            <a:r>
+              <a:rPr lang="en-US" dirty="0" smtClean="0"/>
+              <a:t>Finish implementation of rotation sequence compression – see impacts on code size</a:t>
+            </a:r>
+          </a:p>
+          <a:p>
+            <a:r>
+              <a:rPr lang="en-US" dirty="0" smtClean="0"/>
+              <a:t>Calculate new statistics for model including SIMD instructions and energy constraints from cache accesses</a:t>
+            </a:r>
+          </a:p>
+          <a:p>
+            <a:r>
+              <a:rPr lang="en-US" dirty="0" smtClean="0"/>
+              <a:t>Build similar model for RSFQ/RQL system</a:t>
+            </a:r>
+          </a:p>
+        </p:txBody>
+      </p:sp>
+    </p:spTree>
+    <p:extLst>
+      <p:ext uri="{BB962C8B-B14F-4D97-AF65-F5344CB8AC3E}">
+        <p14:creationId xmlns:p14="http://schemas.microsoft.com/office/powerpoint/2010/main" val="2156066139"/>
       </p:ext>
     </p:extLst>
   </p:cSld>
@@ -5195,7 +7423,6 @@
                         <a:rPr lang="en-US" sz="1400" dirty="0" smtClean="0"/>
                         <a:t>N/A</a:t>
                       </a:r>
-                      <a:endParaRPr lang="en-US" sz="1400" dirty="0" smtClean="0"/>
                     </a:p>
                   </a:txBody>
                   <a:tcPr/>
@@ -5250,7 +7477,6 @@
                         <a:rPr lang="en-US" sz="1100" dirty="0" smtClean="0"/>
                         <a:t>Passive</a:t>
                       </a:r>
-                      <a:endParaRPr lang="en-US" sz="1100" dirty="0" smtClean="0"/>
                     </a:p>
                   </a:txBody>
                   <a:tcPr/>
@@ -5281,7 +7507,6 @@
                         <a:rPr lang="en-US" sz="1400" dirty="0" smtClean="0"/>
                         <a:t>N/A</a:t>
                       </a:r>
-                      <a:endParaRPr lang="en-US" sz="1400" dirty="0" smtClean="0"/>
                     </a:p>
                   </a:txBody>
                   <a:tcPr/>
@@ -6328,7 +8553,7 @@
           <a:p>
             <a:r>
               <a:rPr lang="en-US" dirty="0" smtClean="0"/>
-              <a:t>Two Interconnects in/out of 20mK zone</a:t>
+              <a:t>Several Interconnects in/out of 20mK zone</a:t>
             </a:r>
           </a:p>
           <a:p>
@@ -6386,6 +8611,374 @@
           <a:lstStyle/>
           <a:p>
             <a:r>
+              <a:rPr lang="en-US" dirty="0" smtClean="0"/>
+              <a:t>Interconnect Structure</a:t>
+            </a:r>
+            <a:endParaRPr lang="en-US" dirty="0"/>
+          </a:p>
+        </p:txBody>
+      </p:sp>
+      <p:pic>
+        <p:nvPicPr>
+          <p:cNvPr id="4" name="Content Placeholder 3" descr="qbitcontrolschem.png"/>
+          <p:cNvPicPr>
+            <a:picLocks noGrp="1" noChangeAspect="1"/>
+          </p:cNvPicPr>
+          <p:nvPr>
+            <p:ph idx="1"/>
+          </p:nvPr>
+        </p:nvPicPr>
+        <p:blipFill rotWithShape="1">
+          <a:blip r:embed="rId2">
+            <a:extLst>
+              <a:ext uri="{28A0092B-C50C-407E-A947-70E740481C1C}">
+                <a14:useLocalDpi xmlns:a14="http://schemas.microsoft.com/office/drawing/2010/main" val="0"/>
+              </a:ext>
+            </a:extLst>
+          </a:blip>
+          <a:srcRect t="503" b="503"/>
+          <a:stretch/>
+        </p:blipFill>
+        <p:spPr>
+          <a:xfrm>
+            <a:off x="457200" y="1221200"/>
+            <a:ext cx="6196012" cy="5012913"/>
+          </a:xfrm>
+        </p:spPr>
+      </p:pic>
+      <p:sp>
+        <p:nvSpPr>
+          <p:cNvPr id="5" name="TextBox 4"/>
+          <p:cNvSpPr txBox="1"/>
+          <p:nvPr/>
+        </p:nvSpPr>
+        <p:spPr>
+          <a:xfrm>
+            <a:off x="6572250" y="1459971"/>
+            <a:ext cx="2347383" cy="5201424"/>
+          </a:xfrm>
+          <a:prstGeom prst="rect">
+            <a:avLst/>
+          </a:prstGeom>
+          <a:noFill/>
+        </p:spPr>
+        <p:txBody>
+          <a:bodyPr wrap="square" rtlCol="0">
+            <a:spAutoFit/>
+          </a:bodyPr>
+          <a:lstStyle/>
+          <a:p>
+            <a:r>
+              <a:rPr lang="en-US" sz="1600" dirty="0" smtClean="0"/>
+              <a:t>Interconnects are 3d layered with through silicon </a:t>
+            </a:r>
+            <a:r>
+              <a:rPr lang="en-US" sz="1600" dirty="0" err="1" smtClean="0"/>
+              <a:t>vias</a:t>
+            </a:r>
+            <a:r>
+              <a:rPr lang="en-US" sz="1600" dirty="0" smtClean="0"/>
+              <a:t> and bump bonds.</a:t>
+            </a:r>
+          </a:p>
+          <a:p>
+            <a:endParaRPr lang="en-US" sz="1200" dirty="0"/>
+          </a:p>
+          <a:p>
+            <a:endParaRPr lang="en-US" sz="1200" dirty="0" smtClean="0"/>
+          </a:p>
+          <a:p>
+            <a:endParaRPr lang="en-US" sz="1200" dirty="0"/>
+          </a:p>
+          <a:p>
+            <a:r>
+              <a:rPr lang="en-US" sz="1600" dirty="0" smtClean="0"/>
+              <a:t>Each </a:t>
+            </a:r>
+            <a:r>
+              <a:rPr lang="en-US" sz="1600" dirty="0" err="1" smtClean="0"/>
+              <a:t>qubit</a:t>
+            </a:r>
+            <a:r>
+              <a:rPr lang="en-US" sz="1600" dirty="0" smtClean="0"/>
+              <a:t> control is independent, brought together by multiplexers in the same 20 </a:t>
+            </a:r>
+            <a:r>
+              <a:rPr lang="en-US" sz="1600" dirty="0" err="1" smtClean="0"/>
+              <a:t>mK</a:t>
+            </a:r>
+            <a:r>
+              <a:rPr lang="en-US" sz="1600" dirty="0" smtClean="0"/>
+              <a:t> region. </a:t>
+            </a:r>
+          </a:p>
+          <a:p>
+            <a:endParaRPr lang="en-US" sz="1200" dirty="0"/>
+          </a:p>
+          <a:p>
+            <a:endParaRPr lang="en-US" sz="1200" dirty="0" smtClean="0"/>
+          </a:p>
+          <a:p>
+            <a:endParaRPr lang="en-US" sz="1200" dirty="0"/>
+          </a:p>
+          <a:p>
+            <a:r>
+              <a:rPr lang="en-US" sz="1600" dirty="0" smtClean="0"/>
+              <a:t>Each control line from the multiplexers must also carry DC bias for individual </a:t>
+            </a:r>
+            <a:r>
+              <a:rPr lang="en-US" sz="1600" dirty="0" err="1" smtClean="0"/>
+              <a:t>qubit</a:t>
+            </a:r>
+            <a:r>
+              <a:rPr lang="en-US" sz="1600" dirty="0" smtClean="0"/>
+              <a:t> frequency tailoring</a:t>
+            </a:r>
+          </a:p>
+          <a:p>
+            <a:endParaRPr lang="en-US" sz="1200" dirty="0" smtClean="0"/>
+          </a:p>
+          <a:p>
+            <a:endParaRPr lang="en-US" sz="1200" dirty="0"/>
+          </a:p>
+          <a:p>
+            <a:endParaRPr lang="en-US" dirty="0"/>
+          </a:p>
+        </p:txBody>
+      </p:sp>
+    </p:spTree>
+    <p:extLst>
+      <p:ext uri="{BB962C8B-B14F-4D97-AF65-F5344CB8AC3E}">
+        <p14:creationId xmlns:p14="http://schemas.microsoft.com/office/powerpoint/2010/main" val="884672267"/>
+      </p:ext>
+    </p:extLst>
+  </p:cSld>
+  <p:clrMapOvr>
+    <a:masterClrMapping/>
+  </p:clrMapOvr>
+</p:sld>
+</file>
+
+<file path=ppt/slides/slide6.xml><?xml version="1.0" encoding="utf-8"?>
+<p:sld xmlns:a="http://schemas.openxmlformats.org/drawingml/2006/main" xmlns:r="http://schemas.openxmlformats.org/officeDocument/2006/relationships" xmlns:p="http://schemas.openxmlformats.org/presentationml/2006/main">
+  <p:cSld>
+    <p:spTree>
+      <p:nvGrpSpPr>
+        <p:cNvPr id="1" name=""/>
+        <p:cNvGrpSpPr/>
+        <p:nvPr/>
+      </p:nvGrpSpPr>
+      <p:grpSpPr>
+        <a:xfrm>
+          <a:off x="0" y="0"/>
+          <a:ext cx="0" cy="0"/>
+          <a:chOff x="0" y="0"/>
+          <a:chExt cx="0" cy="0"/>
+        </a:xfrm>
+      </p:grpSpPr>
+      <p:sp>
+        <p:nvSpPr>
+          <p:cNvPr id="2" name="Title 1"/>
+          <p:cNvSpPr>
+            <a:spLocks noGrp="1"/>
+          </p:cNvSpPr>
+          <p:nvPr>
+            <p:ph type="title"/>
+          </p:nvPr>
+        </p:nvSpPr>
+        <p:spPr/>
+        <p:txBody>
+          <a:bodyPr/>
+          <a:lstStyle/>
+          <a:p>
+            <a:r>
+              <a:rPr lang="en-US" dirty="0" err="1" smtClean="0"/>
+              <a:t>CryoCMOS</a:t>
+            </a:r>
+            <a:r>
+              <a:rPr lang="en-US" dirty="0" smtClean="0"/>
+              <a:t> Model with Memory</a:t>
+            </a:r>
+            <a:endParaRPr lang="en-US" dirty="0"/>
+          </a:p>
+        </p:txBody>
+      </p:sp>
+      <p:pic>
+        <p:nvPicPr>
+          <p:cNvPr id="10" name="Content Placeholder 9" descr="CMOSMemSchem.png"/>
+          <p:cNvPicPr>
+            <a:picLocks noGrp="1" noChangeAspect="1"/>
+          </p:cNvPicPr>
+          <p:nvPr>
+            <p:ph idx="1"/>
+          </p:nvPr>
+        </p:nvPicPr>
+        <p:blipFill>
+          <a:blip r:embed="rId2">
+            <a:extLst>
+              <a:ext uri="{28A0092B-C50C-407E-A947-70E740481C1C}">
+                <a14:useLocalDpi xmlns:a14="http://schemas.microsoft.com/office/drawing/2010/main" val="0"/>
+              </a:ext>
+            </a:extLst>
+          </a:blip>
+          <a:srcRect t="37" b="37"/>
+          <a:stretch>
+            <a:fillRect/>
+          </a:stretch>
+        </p:blipFill>
+        <p:spPr/>
+      </p:pic>
+      <p:sp>
+        <p:nvSpPr>
+          <p:cNvPr id="7" name="TextBox 6"/>
+          <p:cNvSpPr txBox="1"/>
+          <p:nvPr/>
+        </p:nvSpPr>
+        <p:spPr>
+          <a:xfrm>
+            <a:off x="2550583" y="6085416"/>
+            <a:ext cx="4857750" cy="646331"/>
+          </a:xfrm>
+          <a:prstGeom prst="rect">
+            <a:avLst/>
+          </a:prstGeom>
+          <a:noFill/>
+        </p:spPr>
+        <p:txBody>
+          <a:bodyPr wrap="square" rtlCol="0">
+            <a:spAutoFit/>
+          </a:bodyPr>
+          <a:lstStyle/>
+          <a:p>
+            <a:r>
+              <a:rPr lang="en-US" dirty="0" smtClean="0"/>
+              <a:t>Internal memory with single instruction bandwidth, fast access time</a:t>
+            </a:r>
+            <a:endParaRPr lang="en-US" dirty="0"/>
+          </a:p>
+        </p:txBody>
+      </p:sp>
+      <p:sp>
+        <p:nvSpPr>
+          <p:cNvPr id="5" name="Oval 4"/>
+          <p:cNvSpPr/>
+          <p:nvPr/>
+        </p:nvSpPr>
+        <p:spPr>
+          <a:xfrm>
+            <a:off x="6684434" y="3262726"/>
+            <a:ext cx="939800" cy="939800"/>
+          </a:xfrm>
+          <a:prstGeom prst="ellipse">
+            <a:avLst/>
+          </a:prstGeom>
+          <a:noFill/>
+        </p:spPr>
+        <p:style>
+          <a:lnRef idx="2">
+            <a:schemeClr val="accent2"/>
+          </a:lnRef>
+          <a:fillRef idx="1">
+            <a:schemeClr val="lt1"/>
+          </a:fillRef>
+          <a:effectRef idx="0">
+            <a:schemeClr val="accent2"/>
+          </a:effectRef>
+          <a:fontRef idx="minor">
+            <a:schemeClr val="dk1"/>
+          </a:fontRef>
+        </p:style>
+        <p:txBody>
+          <a:bodyPr rtlCol="0" anchor="ctr"/>
+          <a:lstStyle/>
+          <a:p>
+            <a:pPr algn="ctr"/>
+            <a:endParaRPr lang="en-US"/>
+          </a:p>
+        </p:txBody>
+      </p:sp>
+      <p:sp>
+        <p:nvSpPr>
+          <p:cNvPr id="6" name="TextBox 5"/>
+          <p:cNvSpPr txBox="1"/>
+          <p:nvPr/>
+        </p:nvSpPr>
+        <p:spPr>
+          <a:xfrm>
+            <a:off x="7624234" y="2233563"/>
+            <a:ext cx="1126047" cy="923330"/>
+          </a:xfrm>
+          <a:prstGeom prst="rect">
+            <a:avLst/>
+          </a:prstGeom>
+          <a:noFill/>
+        </p:spPr>
+        <p:txBody>
+          <a:bodyPr wrap="square" rtlCol="0">
+            <a:spAutoFit/>
+          </a:bodyPr>
+          <a:lstStyle/>
+          <a:p>
+            <a:r>
+              <a:rPr lang="en-US" dirty="0" smtClean="0"/>
+              <a:t>Serial I/O</a:t>
+            </a:r>
+          </a:p>
+          <a:p>
+            <a:r>
+              <a:rPr lang="en-US" dirty="0" smtClean="0"/>
+              <a:t>≥ 10ns Latency</a:t>
+            </a:r>
+            <a:endParaRPr lang="en-US" dirty="0"/>
+          </a:p>
+        </p:txBody>
+      </p:sp>
+    </p:spTree>
+    <p:extLst>
+      <p:ext uri="{BB962C8B-B14F-4D97-AF65-F5344CB8AC3E}">
+        <p14:creationId xmlns:p14="http://schemas.microsoft.com/office/powerpoint/2010/main" val="3962699382"/>
+      </p:ext>
+    </p:extLst>
+  </p:cSld>
+  <p:clrMapOvr>
+    <a:masterClrMapping/>
+  </p:clrMapOvr>
+</p:sld>
+</file>
+
+<file path=ppt/slides/slide7.xml><?xml version="1.0" encoding="utf-8"?>
+<p:sld xmlns:a="http://schemas.openxmlformats.org/drawingml/2006/main" xmlns:r="http://schemas.openxmlformats.org/officeDocument/2006/relationships" xmlns:p="http://schemas.openxmlformats.org/presentationml/2006/main">
+  <p:cSld>
+    <p:spTree>
+      <p:nvGrpSpPr>
+        <p:cNvPr id="1" name=""/>
+        <p:cNvGrpSpPr/>
+        <p:nvPr/>
+      </p:nvGrpSpPr>
+      <p:grpSpPr>
+        <a:xfrm>
+          <a:off x="0" y="0"/>
+          <a:ext cx="0" cy="0"/>
+          <a:chOff x="0" y="0"/>
+          <a:chExt cx="0" cy="0"/>
+        </a:xfrm>
+      </p:grpSpPr>
+      <p:sp>
+        <p:nvSpPr>
+          <p:cNvPr id="2" name="Title 1"/>
+          <p:cNvSpPr>
+            <a:spLocks noGrp="1"/>
+          </p:cNvSpPr>
+          <p:nvPr>
+            <p:ph type="title"/>
+          </p:nvPr>
+        </p:nvSpPr>
+        <p:spPr/>
+        <p:txBody>
+          <a:bodyPr/>
+          <a:lstStyle/>
+          <a:p>
+            <a:r>
               <a:rPr lang="en-US" dirty="0" err="1" smtClean="0"/>
               <a:t>CryoCMOS</a:t>
             </a:r>
@@ -6443,14 +9036,14 @@
           <a:p>
             <a:r>
               <a:rPr lang="en-US" dirty="0" smtClean="0"/>
-              <a:t>Operating Frequency</a:t>
+              <a:t>Target Operating Frequency</a:t>
             </a:r>
           </a:p>
           <a:p>
             <a:pPr lvl="1"/>
             <a:r>
               <a:rPr lang="en-US" dirty="0" smtClean="0"/>
-              <a:t>700 MHz – MSFT</a:t>
+              <a:t>700 MHz </a:t>
             </a:r>
           </a:p>
           <a:p>
@@ -6592,7 +9185,7 @@
 </p:sld>
 </file>
 
-<file path=ppt/slides/slide6.xml><?xml version="1.0" encoding="utf-8"?>
+<file path=ppt/slides/slide8.xml><?xml version="1.0" encoding="utf-8"?>
 <p:sld xmlns:a="http://schemas.openxmlformats.org/drawingml/2006/main" xmlns:r="http://schemas.openxmlformats.org/officeDocument/2006/relationships" xmlns:p="http://schemas.openxmlformats.org/presentationml/2006/main">
   <p:cSld>
     <p:spTree>
@@ -6714,11 +9307,7 @@
             <a:pPr lvl="1"/>
             <a:r>
               <a:rPr lang="en-US" sz="1600" dirty="0" smtClean="0"/>
-              <a:t>896</a:t>
-            </a:r>
-            <a:r>
-              <a:rPr lang="en-US" sz="1600" dirty="0" smtClean="0"/>
-              <a:t> cycles = 16 lines x single instruction latency</a:t>
+              <a:t>896 cycles = 16 lines x single instruction latency</a:t>
             </a:r>
           </a:p>
           <a:p>
@@ -6797,14 +9386,14 @@
           <a:p>
             <a:r>
               <a:rPr lang="en-US" dirty="0" smtClean="0"/>
-              <a:t>For a 64 KB cache size:</a:t>
+              <a:t>For a 64 KB cache size: </a:t>
             </a:r>
           </a:p>
           <a:p>
             <a:pPr lvl="1"/>
             <a:r>
               <a:rPr lang="en-US" dirty="0" smtClean="0"/>
-              <a:t>12 </a:t>
+              <a:t>2.6 </a:t>
             </a:r>
             <a:r>
               <a:rPr lang="en-US" dirty="0" err="1" smtClean="0"/>
@@ -6812,14 +9401,14 @@
             </a:r>
             <a:r>
               <a:rPr lang="en-US" dirty="0" smtClean="0"/>
-              <a:t> per read</a:t>
-            </a:r>
-          </a:p>
-          <a:p>
-            <a:pPr lvl="1"/>
+              <a:t> per read operation</a:t>
+            </a:r>
+          </a:p>
+          <a:p>
+            <a:pPr lvl="2"/>
             <a:r>
               <a:rPr lang="en-US" dirty="0" smtClean="0"/>
-              <a:t>21 </a:t>
+              <a:t>0.13 </a:t>
             </a:r>
             <a:r>
               <a:rPr lang="en-US" dirty="0" err="1" smtClean="0"/>
@@ -6827,15 +9416,95 @@
             </a:r>
             <a:r>
               <a:rPr lang="en-US" dirty="0" smtClean="0"/>
-              <a:t> per write</a:t>
-            </a:r>
-          </a:p>
-          <a:p>
+              <a:t> memory cells + bit lines</a:t>
+            </a:r>
+          </a:p>
+          <a:p>
+            <a:pPr lvl="2"/>
             <a:r>
               <a:rPr lang="en-US" dirty="0" smtClean="0"/>
-              <a:t>Rough estimates</a:t>
-            </a:r>
-            <a:endParaRPr lang="en-US" dirty="0"/>
+              <a:t>2.47 </a:t>
+            </a:r>
+            <a:r>
+              <a:rPr lang="en-US" dirty="0" err="1" smtClean="0"/>
+              <a:t>mW</a:t>
+            </a:r>
+            <a:r>
+              <a:rPr lang="en-US" dirty="0" smtClean="0"/>
+              <a:t> CMOS decoder + word lines</a:t>
+            </a:r>
+          </a:p>
+          <a:p>
+            <a:pPr lvl="1"/>
+            <a:r>
+              <a:rPr lang="en-US" dirty="0" smtClean="0"/>
+              <a:t>3.27 </a:t>
+            </a:r>
+            <a:r>
+              <a:rPr lang="en-US" dirty="0" err="1" smtClean="0"/>
+              <a:t>nJ</a:t>
+            </a:r>
+            <a:r>
+              <a:rPr lang="en-US" dirty="0"/>
+              <a:t> </a:t>
+            </a:r>
+            <a:r>
+              <a:rPr lang="en-US" dirty="0" smtClean="0"/>
+              <a:t>/ access, given 400 </a:t>
+            </a:r>
+            <a:r>
+              <a:rPr lang="en-US" dirty="0" err="1" smtClean="0"/>
+              <a:t>ps</a:t>
+            </a:r>
+            <a:r>
+              <a:rPr lang="en-US" dirty="0" smtClean="0"/>
+              <a:t> access time</a:t>
+            </a:r>
+          </a:p>
+          <a:p>
+            <a:pPr lvl="1"/>
+            <a:r>
+              <a:rPr lang="en-US" dirty="0" smtClean="0"/>
+              <a:t>This can cause energy budget pressure at high access rates</a:t>
+            </a:r>
+          </a:p>
+        </p:txBody>
+      </p:sp>
+      <p:sp>
+        <p:nvSpPr>
+          <p:cNvPr id="4" name="TextBox 3"/>
+          <p:cNvSpPr txBox="1"/>
+          <p:nvPr/>
+        </p:nvSpPr>
+        <p:spPr>
+          <a:xfrm>
+            <a:off x="5175250" y="6350000"/>
+            <a:ext cx="3166790" cy="369332"/>
+          </a:xfrm>
+          <a:prstGeom prst="rect">
+            <a:avLst/>
+          </a:prstGeom>
+          <a:noFill/>
+        </p:spPr>
+        <p:txBody>
+          <a:bodyPr wrap="none" rtlCol="0">
+            <a:spAutoFit/>
+          </a:bodyPr>
+          <a:lstStyle/>
+          <a:p>
+            <a:r>
+              <a:rPr lang="en-US" i="1" dirty="0" smtClean="0"/>
+              <a:t>Van </a:t>
+            </a:r>
+            <a:r>
+              <a:rPr lang="en-US" i="1" dirty="0" err="1" smtClean="0"/>
+              <a:t>Duzer</a:t>
+            </a:r>
+            <a:r>
+              <a:rPr lang="en-US" i="1" dirty="0" smtClean="0"/>
+              <a:t> et al. IEEE June 2013</a:t>
+            </a:r>
+            <a:endParaRPr lang="en-US" i="1" dirty="0"/>
           </a:p>
         </p:txBody>
       </p:sp>
@@ -6852,7 +9521,7 @@
 </p:sld>
 </file>
 
-<file path=ppt/slides/slide7.xml><?xml version="1.0" encoding="utf-8"?>
+<file path=ppt/slides/slide9.xml><?xml version="1.0" encoding="utf-8"?>
 <p:sld xmlns:a="http://schemas.openxmlformats.org/drawingml/2006/main" xmlns:r="http://schemas.openxmlformats.org/officeDocument/2006/relationships" xmlns:p="http://schemas.openxmlformats.org/presentationml/2006/main">
   <p:cSld>
     <p:spTree>
@@ -6964,6 +9633,11 @@
           <a:prstGeom prst="rect">
             <a:avLst/>
           </a:prstGeom>
+          <a:ln>
+            <a:solidFill>
+              <a:srgbClr val="FFFFFF"/>
+            </a:solidFill>
+          </a:ln>
         </p:spPr>
       </p:pic>
       <p:pic>
@@ -6994,6 +9668,11 @@
           <a:prstGeom prst="rect">
             <a:avLst/>
           </a:prstGeom>
+          <a:ln>
+            <a:solidFill>
+              <a:srgbClr val="FFFFFF"/>
+            </a:solidFill>
+          </a:ln>
         </p:spPr>
       </p:pic>
       <p:sp>
@@ -7054,273 +9733,23 @@
           <a:prstGeom prst="rect">
             <a:avLst/>
           </a:prstGeom>
+          <a:ln>
+            <a:solidFill>
+              <a:srgbClr val="FFFFFF"/>
+            </a:solidFill>
+          </a:ln>
         </p:spPr>
       </p:pic>
-    </p:spTree>
-    <p:extLst>
-      <p:ext uri="{BB962C8B-B14F-4D97-AF65-F5344CB8AC3E}">
-        <p14:creationId xmlns:p14="http://schemas.microsoft.com/office/powerpoint/2010/main" val="1995209435"/>
-      </p:ext>
-    </p:extLst>
-  </p:cSld>
-  <p:clrMapOvr>
-    <a:masterClrMapping/>
-  </p:clrMapOvr>
-</p:sld>
-</file>
-
-<file path=ppt/slides/slide8.xml><?xml version="1.0" encoding="utf-8"?>
-<p:sld xmlns:a="http://schemas.openxmlformats.org/drawingml/2006/main" xmlns:r="http://schemas.openxmlformats.org/officeDocument/2006/relationships" xmlns:p="http://schemas.openxmlformats.org/presentationml/2006/main">
-  <p:cSld>
-    <p:spTree>
-      <p:nvGrpSpPr>
-        <p:cNvPr id="1" name=""/>
-        <p:cNvGrpSpPr/>
-        <p:nvPr/>
-      </p:nvGrpSpPr>
-      <p:grpSpPr>
-        <a:xfrm>
-          <a:off x="0" y="0"/>
-          <a:ext cx="0" cy="0"/>
-          <a:chOff x="0" y="0"/>
-          <a:chExt cx="0" cy="0"/>
-        </a:xfrm>
-      </p:grpSpPr>
-      <p:sp>
-        <p:nvSpPr>
-          <p:cNvPr id="7" name="Title 6"/>
-          <p:cNvSpPr>
-            <a:spLocks noGrp="1"/>
-          </p:cNvSpPr>
-          <p:nvPr>
-            <p:ph type="title"/>
-          </p:nvPr>
-        </p:nvSpPr>
-        <p:spPr/>
-        <p:txBody>
-          <a:bodyPr>
-            <a:normAutofit/>
-          </a:bodyPr>
-          <a:lstStyle/>
-          <a:p>
-            <a:r>
-              <a:rPr lang="en-US" dirty="0" smtClean="0"/>
-              <a:t>Serial I/O Application Statistics</a:t>
-            </a:r>
-            <a:br>
-              <a:rPr lang="en-US" dirty="0" smtClean="0"/>
-            </a:br>
-            <a:r>
-              <a:rPr lang="en-US" sz="2000" dirty="0" smtClean="0"/>
-              <a:t>Fully Flattened Applications</a:t>
-            </a:r>
-            <a:endParaRPr lang="en-US" sz="2000" dirty="0"/>
-          </a:p>
-        </p:txBody>
-      </p:sp>
-      <p:graphicFrame>
-        <p:nvGraphicFramePr>
-          <p:cNvPr id="9" name="Content Placeholder 8"/>
-          <p:cNvGraphicFramePr>
-            <a:graphicFrameLocks noGrp="1"/>
-          </p:cNvGraphicFramePr>
-          <p:nvPr>
-            <p:ph idx="1"/>
-            <p:extLst>
-              <p:ext uri="{D42A27DB-BD31-4B8C-83A1-F6EECF244321}">
-                <p14:modId xmlns:p14="http://schemas.microsoft.com/office/powerpoint/2010/main" val="1052717554"/>
-              </p:ext>
-            </p:extLst>
-          </p:nvPr>
-        </p:nvGraphicFramePr>
-        <p:xfrm>
-          <a:off x="457200" y="1600201"/>
-          <a:ext cx="8229600" cy="3670300"/>
-        </p:xfrm>
-        <a:graphic>
-          <a:graphicData uri="http://schemas.openxmlformats.org/drawingml/2006/chart">
-            <c:chart xmlns:c="http://schemas.openxmlformats.org/drawingml/2006/chart" xmlns:r="http://schemas.openxmlformats.org/officeDocument/2006/relationships" r:id="rId2"/>
-          </a:graphicData>
-        </a:graphic>
-      </p:graphicFrame>
-      <p:sp>
-        <p:nvSpPr>
-          <p:cNvPr id="10" name="Title 6"/>
-          <p:cNvSpPr txBox="1">
-            <a:spLocks/>
-          </p:cNvSpPr>
+      <p:sp>
+        <p:nvSpPr>
+          <p:cNvPr id="2" name="TextBox 1"/>
+          <p:cNvSpPr txBox="1"/>
           <p:nvPr/>
         </p:nvSpPr>
         <p:spPr>
           <a:xfrm>
-            <a:off x="457200" y="5429249"/>
-            <a:ext cx="8229600" cy="765705"/>
-          </a:xfrm>
-          <a:prstGeom prst="rect">
-            <a:avLst/>
-          </a:prstGeom>
-        </p:spPr>
-        <p:txBody>
-          <a:bodyPr vert="horz" lIns="91440" tIns="45720" rIns="91440" bIns="45720" rtlCol="0" anchor="ctr">
-            <a:normAutofit/>
-          </a:bodyPr>
-          <a:lstStyle>
-            <a:lvl1pPr algn="ctr" defTabSz="457200" rtl="0" eaLnBrk="1" latinLnBrk="0" hangingPunct="1">
-              <a:spcBef>
-                <a:spcPct val="0"/>
-              </a:spcBef>
-              <a:buNone/>
-              <a:defRPr sz="4400" kern="1200">
-                <a:solidFill>
-                  <a:schemeClr val="tx1"/>
-                </a:solidFill>
-                <a:latin typeface="+mj-lt"/>
-                <a:ea typeface="+mj-ea"/>
-                <a:cs typeface="+mj-cs"/>
-              </a:defRPr>
-            </a:lvl1pPr>
-          </a:lstStyle>
-          <a:p>
-            <a:pPr algn="l"/>
-            <a:r>
-              <a:rPr lang="en-US" sz="2000" dirty="0" smtClean="0"/>
-              <a:t>Serial I/O without internal memory requires many ECC cycles to execute applications with reasonable success probability (≥ 50 %)</a:t>
-            </a:r>
-            <a:endParaRPr lang="en-US" sz="2000" dirty="0"/>
-          </a:p>
-        </p:txBody>
-      </p:sp>
-    </p:spTree>
-    <p:extLst>
-      <p:ext uri="{BB962C8B-B14F-4D97-AF65-F5344CB8AC3E}">
-        <p14:creationId xmlns:p14="http://schemas.microsoft.com/office/powerpoint/2010/main" val="558172282"/>
-      </p:ext>
-    </p:extLst>
-  </p:cSld>
-  <p:clrMapOvr>
-    <a:masterClrMapping/>
-  </p:clrMapOvr>
-</p:sld>
-</file>
-
-<file path=ppt/slides/slide9.xml><?xml version="1.0" encoding="utf-8"?>
-<p:sld xmlns:a="http://schemas.openxmlformats.org/drawingml/2006/main" xmlns:r="http://schemas.openxmlformats.org/officeDocument/2006/relationships" xmlns:p="http://schemas.openxmlformats.org/presentationml/2006/main">
-  <p:cSld>
-    <p:spTree>
-      <p:nvGrpSpPr>
-        <p:cNvPr id="1" name=""/>
-        <p:cNvGrpSpPr/>
-        <p:nvPr/>
-      </p:nvGrpSpPr>
-      <p:grpSpPr>
-        <a:xfrm>
-          <a:off x="0" y="0"/>
-          <a:ext cx="0" cy="0"/>
-          <a:chOff x="0" y="0"/>
-          <a:chExt cx="0" cy="0"/>
-        </a:xfrm>
-      </p:grpSpPr>
-      <p:sp>
-        <p:nvSpPr>
-          <p:cNvPr id="2" name="Title 1"/>
-          <p:cNvSpPr>
-            <a:spLocks noGrp="1"/>
-          </p:cNvSpPr>
-          <p:nvPr>
-            <p:ph type="title"/>
-          </p:nvPr>
-        </p:nvSpPr>
-        <p:spPr/>
-        <p:txBody>
-          <a:bodyPr/>
-          <a:lstStyle/>
-          <a:p>
-            <a:r>
-              <a:rPr lang="en-US" dirty="0" err="1" smtClean="0"/>
-              <a:t>CryoCMOS</a:t>
-            </a:r>
-            <a:r>
-              <a:rPr lang="en-US" dirty="0" smtClean="0"/>
-              <a:t> Model with Memory</a:t>
-            </a:r>
-            <a:endParaRPr lang="en-US" dirty="0"/>
-          </a:p>
-        </p:txBody>
-      </p:sp>
-      <p:pic>
-        <p:nvPicPr>
-          <p:cNvPr id="8" name="Content Placeholder 7" descr="CryoCMOS.png"/>
-          <p:cNvPicPr>
-            <a:picLocks noGrp="1" noChangeAspect="1"/>
-          </p:cNvPicPr>
-          <p:nvPr>
-            <p:ph idx="1"/>
-          </p:nvPr>
-        </p:nvPicPr>
-        <p:blipFill>
-          <a:blip r:embed="rId2">
-            <a:extLst>
-              <a:ext uri="{28A0092B-C50C-407E-A947-70E740481C1C}">
-                <a14:useLocalDpi xmlns:a14="http://schemas.microsoft.com/office/drawing/2010/main" val="0"/>
-              </a:ext>
-            </a:extLst>
-          </a:blip>
-          <a:srcRect l="-21181" r="-21181"/>
-          <a:stretch>
-            <a:fillRect/>
-          </a:stretch>
-        </p:blipFill>
-        <p:spPr/>
-      </p:pic>
-      <p:sp>
-        <p:nvSpPr>
-          <p:cNvPr id="5" name="Oval 4"/>
-          <p:cNvSpPr/>
-          <p:nvPr/>
-        </p:nvSpPr>
-        <p:spPr>
-          <a:xfrm>
-            <a:off x="6684434" y="3262726"/>
-            <a:ext cx="939800" cy="939800"/>
-          </a:xfrm>
-          <a:prstGeom prst="ellipse">
-            <a:avLst/>
-          </a:prstGeom>
-          <a:noFill/>
-        </p:spPr>
-        <p:style>
-          <a:lnRef idx="2">
-            <a:schemeClr val="accent2"/>
-          </a:lnRef>
-          <a:fillRef idx="1">
-            <a:schemeClr val="lt1"/>
-          </a:fillRef>
-          <a:effectRef idx="0">
-            <a:schemeClr val="accent2"/>
-          </a:effectRef>
-          <a:fontRef idx="minor">
-            <a:schemeClr val="dk1"/>
-          </a:fontRef>
-        </p:style>
-        <p:txBody>
-          <a:bodyPr rtlCol="0" anchor="ctr"/>
-          <a:lstStyle/>
-          <a:p>
-            <a:pPr algn="ctr"/>
-            <a:endParaRPr lang="en-US"/>
-          </a:p>
-        </p:txBody>
-      </p:sp>
-      <p:sp>
-        <p:nvSpPr>
-          <p:cNvPr id="6" name="TextBox 5"/>
-          <p:cNvSpPr txBox="1"/>
-          <p:nvPr/>
-        </p:nvSpPr>
-        <p:spPr>
-          <a:xfrm>
-            <a:off x="7624234" y="2233563"/>
-            <a:ext cx="1126047" cy="923330"/>
+            <a:off x="558800" y="5999163"/>
+            <a:ext cx="7840133" cy="646331"/>
           </a:xfrm>
           <a:prstGeom prst="rect">
             <a:avLst/>
@@ -7335,43 +9764,7 @@
           <a:p>
             <a:r>
               <a:rPr lang="en-US" dirty="0" smtClean="0"/>
-              <a:t>Serial I/O</a:t>
-            </a:r>
-          </a:p>
-          <a:p>
-            <a:r>
-              <a:rPr lang="en-US" dirty="0" smtClean="0"/>
-              <a:t>≥ 10ns Latency</a:t>
-            </a:r>
-            <a:endParaRPr lang="en-US" dirty="0"/>
-          </a:p>
-        </p:txBody>
-      </p:sp>
-      <p:sp>
-        <p:nvSpPr>
-          <p:cNvPr id="7" name="TextBox 6"/>
-          <p:cNvSpPr txBox="1"/>
-          <p:nvPr/>
-        </p:nvSpPr>
-        <p:spPr>
-          <a:xfrm>
-            <a:off x="2550583" y="6085416"/>
-            <a:ext cx="4857750" cy="646331"/>
-          </a:xfrm>
-          <a:prstGeom prst="rect">
-            <a:avLst/>
-          </a:prstGeom>
-          <a:noFill/>
-        </p:spPr>
-        <p:txBody>
-          <a:bodyPr wrap="square" rtlCol="0">
-            <a:spAutoFit/>
-          </a:bodyPr>
-          <a:lstStyle/>
-          <a:p>
-            <a:r>
-              <a:rPr lang="en-US" dirty="0" smtClean="0"/>
-              <a:t>Internal memory with single instruction bandwidth, fast access time</a:t>
+              <a:t>The following charts depict pseudo-SIMD instruction scheduling – a single instruction per operation time step is scheduled. This proxies SIMD instructions.</a:t>
             </a:r>
             <a:endParaRPr lang="en-US" dirty="0"/>
           </a:p>
@@ -7380,7 +9773,7 @@
     </p:spTree>
     <p:extLst>
       <p:ext uri="{BB962C8B-B14F-4D97-AF65-F5344CB8AC3E}">
-        <p14:creationId xmlns:p14="http://schemas.microsoft.com/office/powerpoint/2010/main" val="3962699382"/>
+        <p14:creationId xmlns:p14="http://schemas.microsoft.com/office/powerpoint/2010/main" val="1995209435"/>
       </p:ext>
     </p:extLst>
   </p:cSld>
